--- a/materials/slides/ch15-vim-and-linux-c-programming.pptx
+++ b/materials/slides/ch15-vim-and-linux-c-programming.pptx
@@ -7,13 +7,13 @@
   </p:sldMasterIdLst>
   <p:sldIdLst>
     <p:sldId id="260" r:id="rId3"/>
-    <p:sldId id="261" r:id="rId4"/>
-    <p:sldId id="263" r:id="rId5"/>
-    <p:sldId id="268" r:id="rId6"/>
-    <p:sldId id="269" r:id="rId7"/>
-    <p:sldId id="270" r:id="rId8"/>
-    <p:sldId id="266" r:id="rId9"/>
-    <p:sldId id="267" r:id="rId10"/>
+    <p:sldId id="272" r:id="rId4"/>
+    <p:sldId id="273" r:id="rId5"/>
+    <p:sldId id="274" r:id="rId6"/>
+    <p:sldId id="271" r:id="rId7"/>
+    <p:sldId id="263" r:id="rId8"/>
+    <p:sldId id="268" r:id="rId9"/>
+    <p:sldId id="269" r:id="rId10"/>
   </p:sldIdLst>
   <p:sldSz cx="12192000" cy="6858000"/>
   <p:notesSz cx="6858000" cy="9144000"/>
@@ -7087,7 +7087,7 @@
               <a:t>Vim</a:t>
             </a:r>
             <a:r>
-              <a:rPr lang="zh-CN" altLang="en-US" sz="3600">
+              <a:rPr lang="zh-CN" altLang="en-US" sz="3600" dirty="0">
                 <a:solidFill>
                   <a:srgbClr val="C00000"/>
                 </a:solidFill>
@@ -7095,20 +7095,12 @@
               <a:t>和</a:t>
             </a:r>
             <a:r>
-              <a:rPr lang="en-US" altLang="zh-CN" sz="3600">
-                <a:solidFill>
-                  <a:srgbClr val="C00000"/>
-                </a:solidFill>
-              </a:rPr>
-              <a:t>Linux </a:t>
-            </a:r>
-            <a:r>
               <a:rPr lang="en-US" altLang="zh-CN" sz="3600" dirty="0">
                 <a:solidFill>
                   <a:srgbClr val="C00000"/>
                 </a:solidFill>
               </a:rPr>
-              <a:t>C</a:t>
+              <a:t>Linux C</a:t>
             </a:r>
             <a:r>
               <a:rPr lang="zh-CN" altLang="en-US" sz="3600" dirty="0">
@@ -7153,10 +7145,10 @@
       </p:grpSpPr>
       <p:sp>
         <p:nvSpPr>
-          <p:cNvPr id="2" name="标题 1">
-            <a:extLst>
-              <a:ext uri="{FF2B5EF4-FFF2-40B4-BE49-F238E27FC236}">
-                <a16:creationId xmlns:a16="http://schemas.microsoft.com/office/drawing/2014/main" id="{8B88BACC-24DE-4087-9AB3-A099CF573089}"/>
+          <p:cNvPr id="4" name="标题 3">
+            <a:extLst>
+              <a:ext uri="{FF2B5EF4-FFF2-40B4-BE49-F238E27FC236}">
+                <a16:creationId xmlns:a16="http://schemas.microsoft.com/office/drawing/2014/main" id="{2729939D-814A-4BD2-9922-3F8EA865938B}"/>
               </a:ext>
             </a:extLst>
           </p:cNvPr>
@@ -7167,18 +7159,23 @@
             <p:ph type="title"/>
           </p:nvPr>
         </p:nvSpPr>
-        <p:spPr/>
-        <p:txBody>
-          <a:bodyPr/>
-          <a:lstStyle/>
-          <a:p>
-            <a:r>
-              <a:rPr lang="en-US" altLang="zh-CN" dirty="0" err="1"/>
-              <a:t>gcc</a:t>
+        <p:spPr>
+          <a:xfrm>
+            <a:off x="838200" y="683581"/>
+            <a:ext cx="10515600" cy="736846"/>
+          </a:xfrm>
+        </p:spPr>
+        <p:txBody>
+          <a:bodyPr/>
+          <a:lstStyle/>
+          <a:p>
+            <a:r>
+              <a:rPr lang="en-US" altLang="zh-CN" dirty="0"/>
+              <a:t>vim</a:t>
             </a:r>
             <a:r>
               <a:rPr lang="zh-CN" altLang="en-US" dirty="0"/>
-              <a:t>基本介绍与安装</a:t>
+              <a:t>配置文件</a:t>
             </a:r>
           </a:p>
         </p:txBody>
@@ -7188,7 +7185,7 @@
           <p:cNvPr id="3" name="内容占位符 2">
             <a:extLst>
               <a:ext uri="{FF2B5EF4-FFF2-40B4-BE49-F238E27FC236}">
-                <a16:creationId xmlns:a16="http://schemas.microsoft.com/office/drawing/2014/main" id="{0A1C6B17-780B-4799-8193-E52FD817AC0E}"/>
+                <a16:creationId xmlns:a16="http://schemas.microsoft.com/office/drawing/2014/main" id="{96EE1DBA-F015-4E13-B948-F2CA77768E06}"/>
               </a:ext>
             </a:extLst>
           </p:cNvPr>
@@ -7199,115 +7196,191 @@
             <p:ph idx="1"/>
           </p:nvPr>
         </p:nvSpPr>
-        <p:spPr/>
-        <p:txBody>
-          <a:bodyPr/>
-          <a:lstStyle/>
-          <a:p>
-            <a:r>
-              <a:rPr lang="en-US" altLang="zh-CN" sz="2400" dirty="0" err="1"/>
-              <a:t>gcc</a:t>
-            </a:r>
-            <a:r>
-              <a:rPr lang="zh-CN" altLang="en-US" sz="2400" dirty="0"/>
-              <a:t>不是一个软件，全名是</a:t>
-            </a:r>
-            <a:r>
-              <a:rPr lang="en-US" altLang="zh-CN" sz="2400" dirty="0"/>
-              <a:t>GNU Compiler Collection</a:t>
-            </a:r>
-            <a:r>
-              <a:rPr lang="zh-CN" altLang="en-US" sz="2400" dirty="0"/>
-              <a:t>，是一个编译器集合。</a:t>
-            </a:r>
-            <a:endParaRPr lang="en-US" altLang="zh-CN" sz="2400" dirty="0"/>
-          </a:p>
-          <a:p>
-            <a:r>
-              <a:rPr lang="en-US" altLang="zh-CN" sz="2400" dirty="0" err="1"/>
-              <a:t>gcc</a:t>
-            </a:r>
-            <a:r>
-              <a:rPr lang="zh-CN" altLang="en-US" sz="2400" dirty="0"/>
-              <a:t>支持</a:t>
-            </a:r>
-            <a:r>
-              <a:rPr lang="en-US" altLang="zh-CN" sz="2400" dirty="0"/>
-              <a:t>C, C++, Objective-C, Fortran, Ada, and Go</a:t>
-            </a:r>
-            <a:r>
-              <a:rPr lang="zh-CN" altLang="en-US" sz="2400" dirty="0"/>
-              <a:t>语言的编译。</a:t>
-            </a:r>
-            <a:endParaRPr lang="en-US" altLang="zh-CN" sz="2400" dirty="0"/>
-          </a:p>
-          <a:p>
-            <a:r>
-              <a:rPr lang="zh-CN" altLang="en-US" sz="2400" dirty="0"/>
-              <a:t>从名称可以看出是</a:t>
-            </a:r>
-            <a:r>
-              <a:rPr lang="en-US" altLang="zh-CN" sz="2400" dirty="0"/>
-              <a:t>GNU</a:t>
-            </a:r>
-            <a:r>
-              <a:rPr lang="zh-CN" altLang="en-US" sz="2400" dirty="0"/>
-              <a:t>的一个项目，发布于</a:t>
-            </a:r>
-            <a:r>
-              <a:rPr lang="en-US" altLang="zh-CN" sz="2400" dirty="0"/>
-              <a:t>GPL</a:t>
-            </a:r>
-            <a:r>
-              <a:rPr lang="zh-CN" altLang="en-US" sz="2400" dirty="0"/>
-              <a:t>开源协议。</a:t>
-            </a:r>
-            <a:endParaRPr lang="en-US" altLang="zh-CN" sz="2400" dirty="0"/>
-          </a:p>
-          <a:p>
-            <a:r>
-              <a:rPr lang="en-US" altLang="zh-CN" sz="2400" dirty="0"/>
-              <a:t>Ubuntu/Debian</a:t>
-            </a:r>
-            <a:r>
-              <a:rPr lang="zh-CN" altLang="en-US" sz="2400" dirty="0"/>
-              <a:t>上一般都自带</a:t>
-            </a:r>
-            <a:r>
-              <a:rPr lang="en-US" altLang="zh-CN" sz="2400" dirty="0" err="1"/>
-              <a:t>gcc</a:t>
-            </a:r>
-            <a:r>
-              <a:rPr lang="zh-CN" altLang="en-US" sz="2400" dirty="0"/>
-              <a:t>，如果没有则运行</a:t>
-            </a:r>
-            <a:r>
-              <a:rPr lang="en-US" altLang="zh-CN" sz="2400" dirty="0" err="1"/>
-              <a:t>sudo</a:t>
-            </a:r>
-            <a:r>
-              <a:rPr lang="en-US" altLang="zh-CN" sz="2400" dirty="0"/>
-              <a:t> apt install </a:t>
-            </a:r>
-            <a:r>
-              <a:rPr lang="en-US" altLang="zh-CN" sz="2400" dirty="0" err="1"/>
-              <a:t>gcc</a:t>
-            </a:r>
-            <a:r>
-              <a:rPr lang="zh-CN" altLang="en-US" sz="2400" dirty="0"/>
-              <a:t>。</a:t>
-            </a:r>
-            <a:endParaRPr lang="en-US" altLang="zh-CN" sz="2400" dirty="0"/>
-          </a:p>
-          <a:p>
-            <a:r>
-              <a:rPr lang="zh-CN" altLang="en-US" sz="2400" dirty="0"/>
-              <a:t>官网：</a:t>
-            </a:r>
-            <a:r>
-              <a:rPr lang="en-US" altLang="zh-CN" sz="2400" dirty="0"/>
-              <a:t>https://gcc.gnu.org/</a:t>
-            </a:r>
+        <p:spPr>
+          <a:xfrm>
+            <a:off x="838200" y="1656500"/>
+            <a:ext cx="10515600" cy="5037263"/>
+          </a:xfrm>
+        </p:spPr>
+        <p:txBody>
+          <a:bodyPr/>
+          <a:lstStyle/>
+          <a:p>
+            <a:r>
+              <a:rPr lang="zh-CN" altLang="en-US" sz="2000" dirty="0"/>
+              <a:t>安装</a:t>
+            </a:r>
+            <a:r>
+              <a:rPr lang="en-US" altLang="zh-CN" sz="2000" dirty="0"/>
+              <a:t>vim</a:t>
+            </a:r>
+            <a:r>
+              <a:rPr lang="zh-CN" altLang="en-US" sz="2000" dirty="0"/>
+              <a:t>后，配置文件：</a:t>
+            </a:r>
+            <a:r>
+              <a:rPr lang="en-US" altLang="zh-CN" sz="2000" dirty="0"/>
+              <a:t>/</a:t>
+            </a:r>
+            <a:r>
+              <a:rPr lang="en-US" altLang="zh-CN" sz="2000" dirty="0" err="1"/>
+              <a:t>etc</a:t>
+            </a:r>
+            <a:r>
+              <a:rPr lang="en-US" altLang="zh-CN" sz="2000" dirty="0"/>
+              <a:t>/vim/</a:t>
+            </a:r>
+            <a:r>
+              <a:rPr lang="en-US" altLang="zh-CN" sz="2000" dirty="0" err="1"/>
+              <a:t>vimrc</a:t>
+            </a:r>
+            <a:r>
+              <a:rPr lang="zh-CN" altLang="en-US" sz="2000" dirty="0"/>
+              <a:t>，</a:t>
+            </a:r>
+            <a:r>
+              <a:rPr lang="en-US" altLang="zh-CN" sz="2000" dirty="0"/>
+              <a:t> vim</a:t>
+            </a:r>
+            <a:r>
+              <a:rPr lang="zh-CN" altLang="en-US" sz="2000" dirty="0"/>
+              <a:t>启动时会读取此文件。除此之外，在用户主目录下如果存在</a:t>
+            </a:r>
+            <a:r>
+              <a:rPr lang="en-US" altLang="zh-CN" sz="2000" dirty="0"/>
+              <a:t>.</a:t>
+            </a:r>
+            <a:r>
+              <a:rPr lang="en-US" altLang="zh-CN" sz="2000" dirty="0" err="1"/>
+              <a:t>vimrc</a:t>
+            </a:r>
+            <a:r>
+              <a:rPr lang="zh-CN" altLang="en-US" sz="2000" dirty="0"/>
+              <a:t>，也会读取此文件，如果存在相同的配置，则</a:t>
+            </a:r>
+            <a:r>
+              <a:rPr lang="en-US" altLang="zh-CN" sz="2000" dirty="0"/>
+              <a:t>.</a:t>
+            </a:r>
+            <a:r>
+              <a:rPr lang="en-US" altLang="zh-CN" sz="2000" dirty="0" err="1"/>
+              <a:t>vimrc</a:t>
+            </a:r>
+            <a:r>
+              <a:rPr lang="zh-CN" altLang="en-US" sz="2000" dirty="0"/>
+              <a:t>文件配置会覆盖</a:t>
+            </a:r>
+            <a:r>
+              <a:rPr lang="en-US" altLang="zh-CN" sz="2000" dirty="0"/>
+              <a:t>/</a:t>
+            </a:r>
+            <a:r>
+              <a:rPr lang="en-US" altLang="zh-CN" sz="2000" dirty="0" err="1"/>
+              <a:t>etc</a:t>
+            </a:r>
+            <a:r>
+              <a:rPr lang="en-US" altLang="zh-CN" sz="2000" dirty="0"/>
+              <a:t>/vim/</a:t>
+            </a:r>
+            <a:r>
+              <a:rPr lang="en-US" altLang="zh-CN" sz="2000" dirty="0" err="1"/>
+              <a:t>vimrc</a:t>
+            </a:r>
+            <a:r>
+              <a:rPr lang="zh-CN" altLang="en-US" sz="2000" dirty="0"/>
+              <a:t>的配置。</a:t>
+            </a:r>
+            <a:endParaRPr lang="en-US" altLang="zh-CN" sz="2000" dirty="0"/>
+          </a:p>
+          <a:p>
+            <a:endParaRPr lang="en-US" altLang="zh-CN" sz="2000" dirty="0"/>
+          </a:p>
+          <a:p>
+            <a:r>
+              <a:rPr lang="en-US" altLang="zh-CN" sz="2000" dirty="0"/>
+              <a:t>/</a:t>
+            </a:r>
+            <a:r>
+              <a:rPr lang="en-US" altLang="zh-CN" sz="2000" dirty="0" err="1"/>
+              <a:t>usr</a:t>
+            </a:r>
+            <a:r>
+              <a:rPr lang="en-US" altLang="zh-CN" sz="2000" dirty="0"/>
+              <a:t>/share/vim/vim74/colors</a:t>
+            </a:r>
+            <a:r>
+              <a:rPr lang="zh-CN" altLang="en-US" sz="2000" dirty="0"/>
+              <a:t>是</a:t>
+            </a:r>
+            <a:r>
+              <a:rPr lang="en-US" altLang="zh-CN" sz="2000" dirty="0"/>
+              <a:t>vim</a:t>
+            </a:r>
+            <a:r>
+              <a:rPr lang="zh-CN" altLang="en-US" sz="2000" dirty="0"/>
+              <a:t>的配色主题文件所在目录，在用户主目录下的</a:t>
+            </a:r>
+            <a:r>
+              <a:rPr lang="en-US" altLang="zh-CN" sz="2000" dirty="0"/>
+              <a:t>.vim/colors</a:t>
+            </a:r>
+            <a:r>
+              <a:rPr lang="zh-CN" altLang="en-US" sz="2000" dirty="0"/>
+              <a:t>也可以保存主题文件，此目录通常需要自己创建。</a:t>
+            </a:r>
+            <a:endParaRPr lang="en-US" altLang="zh-CN" sz="2000" dirty="0"/>
+          </a:p>
+          <a:p>
+            <a:endParaRPr lang="en-US" altLang="zh-CN" sz="2000" dirty="0"/>
+          </a:p>
+          <a:p>
+            <a:r>
+              <a:rPr lang="zh-CN" altLang="en-US" sz="2000" dirty="0"/>
+              <a:t>通用的配置可以写在</a:t>
+            </a:r>
+            <a:r>
+              <a:rPr lang="en-US" altLang="zh-CN" sz="2000" dirty="0"/>
+              <a:t>/</a:t>
+            </a:r>
+            <a:r>
+              <a:rPr lang="en-US" altLang="zh-CN" sz="2000" dirty="0" err="1"/>
+              <a:t>etc</a:t>
+            </a:r>
+            <a:r>
+              <a:rPr lang="en-US" altLang="zh-CN" sz="2000" dirty="0"/>
+              <a:t>/vim/</a:t>
+            </a:r>
+            <a:r>
+              <a:rPr lang="en-US" altLang="zh-CN" sz="2000" dirty="0" err="1"/>
+              <a:t>vimrc</a:t>
+            </a:r>
+            <a:r>
+              <a:rPr lang="zh-CN" altLang="en-US" sz="2000" dirty="0"/>
+              <a:t>，个性化设置可以放在</a:t>
+            </a:r>
+            <a:r>
+              <a:rPr lang="en-US" altLang="zh-CN" sz="2000" dirty="0"/>
+              <a:t>~/.</a:t>
+            </a:r>
+            <a:r>
+              <a:rPr lang="en-US" altLang="zh-CN" sz="2000" dirty="0" err="1"/>
+              <a:t>vimrc</a:t>
+            </a:r>
+            <a:endParaRPr lang="en-US" altLang="zh-CN" sz="2000" dirty="0"/>
+          </a:p>
+          <a:p>
+            <a:endParaRPr lang="en-US" altLang="zh-CN" sz="2000" dirty="0"/>
+          </a:p>
+          <a:p>
+            <a:r>
+              <a:rPr lang="en-US" altLang="zh-CN" sz="2000" dirty="0"/>
+              <a:t>vim</a:t>
+            </a:r>
+            <a:r>
+              <a:rPr lang="zh-CN" altLang="en-US" sz="2000" dirty="0"/>
+              <a:t>配置文件使用“标记注释。</a:t>
+            </a:r>
+            <a:endParaRPr lang="en-US" altLang="zh-CN" sz="2000" dirty="0"/>
           </a:p>
           <a:p>
             <a:endParaRPr lang="en-US" altLang="zh-CN" sz="2000" dirty="0"/>
@@ -7317,7 +7390,7 @@
     </p:spTree>
     <p:extLst>
       <p:ext uri="{BB962C8B-B14F-4D97-AF65-F5344CB8AC3E}">
-        <p14:creationId xmlns:p14="http://schemas.microsoft.com/office/powerpoint/2010/main" val="1283951382"/>
+        <p14:creationId xmlns:p14="http://schemas.microsoft.com/office/powerpoint/2010/main" val="2317717954"/>
       </p:ext>
     </p:extLst>
   </p:cSld>
@@ -7346,10 +7419,10 @@
       </p:grpSpPr>
       <p:sp>
         <p:nvSpPr>
-          <p:cNvPr id="2" name="标题 1">
-            <a:extLst>
-              <a:ext uri="{FF2B5EF4-FFF2-40B4-BE49-F238E27FC236}">
-                <a16:creationId xmlns:a16="http://schemas.microsoft.com/office/drawing/2014/main" id="{8B88BACC-24DE-4087-9AB3-A099CF573089}"/>
+          <p:cNvPr id="4" name="标题 3">
+            <a:extLst>
+              <a:ext uri="{FF2B5EF4-FFF2-40B4-BE49-F238E27FC236}">
+                <a16:creationId xmlns:a16="http://schemas.microsoft.com/office/drawing/2014/main" id="{2729939D-814A-4BD2-9922-3F8EA865938B}"/>
               </a:ext>
             </a:extLst>
           </p:cNvPr>
@@ -7360,28 +7433,29 @@
             <p:ph type="title"/>
           </p:nvPr>
         </p:nvSpPr>
-        <p:spPr/>
-        <p:txBody>
-          <a:bodyPr/>
-          <a:lstStyle/>
-          <a:p>
-            <a:r>
-              <a:rPr lang="en-US" altLang="zh-CN" dirty="0" err="1"/>
-              <a:t>gcc</a:t>
-            </a:r>
+        <p:spPr>
+          <a:xfrm>
+            <a:off x="838200" y="683581"/>
+            <a:ext cx="10515600" cy="736846"/>
+          </a:xfrm>
+        </p:spPr>
+        <p:txBody>
+          <a:bodyPr/>
+          <a:lstStyle/>
+          <a:p>
             <a:r>
               <a:rPr lang="zh-CN" altLang="en-US" dirty="0"/>
-              <a:t>基本使用</a:t>
-            </a:r>
-          </a:p>
-        </p:txBody>
-      </p:sp>
-      <p:sp>
-        <p:nvSpPr>
-          <p:cNvPr id="3" name="内容占位符 2">
-            <a:extLst>
-              <a:ext uri="{FF2B5EF4-FFF2-40B4-BE49-F238E27FC236}">
-                <a16:creationId xmlns:a16="http://schemas.microsoft.com/office/drawing/2014/main" id="{0A1C6B17-780B-4799-8193-E52FD817AC0E}"/>
+              <a:t>常用配置</a:t>
+            </a:r>
+          </a:p>
+        </p:txBody>
+      </p:sp>
+      <p:sp>
+        <p:nvSpPr>
+          <p:cNvPr id="6" name="内容占位符 5">
+            <a:extLst>
+              <a:ext uri="{FF2B5EF4-FFF2-40B4-BE49-F238E27FC236}">
+                <a16:creationId xmlns:a16="http://schemas.microsoft.com/office/drawing/2014/main" id="{B83E9AD4-C606-4679-B884-01F71CC97E44}"/>
               </a:ext>
             </a:extLst>
           </p:cNvPr>
@@ -7392,142 +7466,316 @@
             <p:ph idx="1"/>
           </p:nvPr>
         </p:nvSpPr>
-        <p:spPr/>
-        <p:txBody>
-          <a:bodyPr/>
-          <a:lstStyle/>
-          <a:p>
-            <a:r>
-              <a:rPr lang="zh-CN" altLang="en-US" sz="2400" dirty="0"/>
-              <a:t>使用</a:t>
-            </a:r>
-            <a:r>
-              <a:rPr lang="en-US" altLang="zh-CN" sz="2400" dirty="0"/>
-              <a:t>vim </a:t>
-            </a:r>
-            <a:r>
-              <a:rPr lang="en-US" altLang="zh-CN" sz="2400" dirty="0" err="1"/>
-              <a:t>test.c</a:t>
-            </a:r>
-            <a:r>
-              <a:rPr lang="zh-CN" altLang="en-US" sz="2400" dirty="0"/>
-              <a:t>创建文件并编写一段</a:t>
-            </a:r>
-            <a:r>
-              <a:rPr lang="en-US" altLang="zh-CN" sz="2400" dirty="0"/>
-              <a:t>C</a:t>
-            </a:r>
-            <a:r>
-              <a:rPr lang="zh-CN" altLang="en-US" sz="2400" dirty="0"/>
-              <a:t>程序。</a:t>
-            </a:r>
-            <a:endParaRPr lang="en-US" altLang="zh-CN" sz="2400" dirty="0"/>
-          </a:p>
-          <a:p>
-            <a:r>
-              <a:rPr lang="en-US" altLang="zh-CN" sz="2400" dirty="0" err="1"/>
-              <a:t>gcc</a:t>
-            </a:r>
-            <a:r>
-              <a:rPr lang="en-US" altLang="zh-CN" sz="2400" dirty="0"/>
-              <a:t> </a:t>
-            </a:r>
-            <a:r>
-              <a:rPr lang="en-US" altLang="zh-CN" sz="2400" dirty="0" err="1"/>
-              <a:t>test.c</a:t>
-            </a:r>
-            <a:r>
-              <a:rPr lang="zh-CN" altLang="en-US" sz="2400" dirty="0"/>
-              <a:t>即可编译，编译后的文件是</a:t>
-            </a:r>
-            <a:r>
-              <a:rPr lang="en-US" altLang="zh-CN" sz="2400" dirty="0" err="1"/>
-              <a:t>a.out</a:t>
-            </a:r>
-            <a:r>
-              <a:rPr lang="zh-CN" altLang="en-US" sz="2400" dirty="0"/>
-              <a:t>。</a:t>
-            </a:r>
-            <a:endParaRPr lang="en-US" altLang="zh-CN" sz="2400" dirty="0"/>
-          </a:p>
-          <a:p>
-            <a:r>
-              <a:rPr lang="en-US" altLang="zh-CN" sz="2400" dirty="0"/>
-              <a:t>./</a:t>
-            </a:r>
-            <a:r>
-              <a:rPr lang="en-US" altLang="zh-CN" sz="2400" dirty="0" err="1"/>
-              <a:t>a.out</a:t>
-            </a:r>
-            <a:r>
-              <a:rPr lang="zh-CN" altLang="en-US" sz="2400" dirty="0"/>
-              <a:t>运行编译的程序。</a:t>
-            </a:r>
-            <a:endParaRPr lang="en-US" altLang="zh-CN" sz="2400" dirty="0"/>
-          </a:p>
-          <a:p>
-            <a:r>
-              <a:rPr lang="en-US" altLang="zh-CN" sz="2400" dirty="0" err="1"/>
-              <a:t>gcc</a:t>
-            </a:r>
-            <a:r>
-              <a:rPr lang="zh-CN" altLang="en-US" sz="2400" dirty="0"/>
-              <a:t>编译后的默认名称是</a:t>
-            </a:r>
-            <a:r>
-              <a:rPr lang="en-US" altLang="zh-CN" sz="2400" dirty="0" err="1"/>
-              <a:t>a.out</a:t>
-            </a:r>
-            <a:endParaRPr lang="en-US" altLang="zh-CN" sz="2400" dirty="0"/>
-          </a:p>
-          <a:p>
-            <a:r>
-              <a:rPr lang="en-US" altLang="zh-CN" sz="2400" dirty="0" err="1"/>
-              <a:t>gcc</a:t>
-            </a:r>
-            <a:r>
-              <a:rPr lang="en-US" altLang="zh-CN" sz="2400" dirty="0"/>
-              <a:t> –o test </a:t>
-            </a:r>
-            <a:r>
-              <a:rPr lang="en-US" altLang="zh-CN" sz="2400" dirty="0" err="1"/>
-              <a:t>test.c</a:t>
-            </a:r>
-            <a:r>
-              <a:rPr lang="en-US" altLang="zh-CN" sz="2400" dirty="0"/>
-              <a:t> </a:t>
-            </a:r>
-            <a:r>
-              <a:rPr lang="zh-CN" altLang="en-US" sz="2400" dirty="0"/>
-              <a:t>编译后的文件是</a:t>
-            </a:r>
-            <a:r>
-              <a:rPr lang="en-US" altLang="zh-CN" sz="2400" dirty="0"/>
-              <a:t>test</a:t>
-            </a:r>
-            <a:r>
-              <a:rPr lang="zh-CN" altLang="en-US" sz="2400" dirty="0"/>
-              <a:t>，</a:t>
-            </a:r>
-            <a:r>
-              <a:rPr lang="en-US" altLang="zh-CN" sz="2400" dirty="0"/>
-              <a:t>-o</a:t>
-            </a:r>
-            <a:r>
-              <a:rPr lang="zh-CN" altLang="en-US" sz="2400" dirty="0"/>
-              <a:t>参数后面跟输出文件的名称。</a:t>
-            </a:r>
-            <a:endParaRPr lang="en-US" altLang="zh-CN" sz="2400" dirty="0"/>
-          </a:p>
-          <a:p>
-            <a:endParaRPr lang="en-US" altLang="zh-CN" sz="2000" dirty="0"/>
+        <p:spPr>
+          <a:xfrm>
+            <a:off x="838200" y="1656500"/>
+            <a:ext cx="10515600" cy="4850832"/>
+          </a:xfrm>
+        </p:spPr>
+        <p:txBody>
+          <a:bodyPr>
+            <a:noAutofit/>
+          </a:bodyPr>
+          <a:lstStyle/>
+          <a:p>
+            <a:pPr marL="0" indent="0">
+              <a:lnSpc>
+                <a:spcPts val="2000"/>
+              </a:lnSpc>
+              <a:buNone/>
+            </a:pPr>
+            <a:r>
+              <a:rPr lang="en-US" altLang="zh-CN" sz="1800" dirty="0"/>
+              <a:t>set mouse=a “ </a:t>
+            </a:r>
+            <a:r>
+              <a:rPr lang="zh-CN" altLang="en-US" sz="1800" dirty="0"/>
+              <a:t>启用鼠标支持，</a:t>
+            </a:r>
+            <a:r>
+              <a:rPr lang="en-US" altLang="zh-CN" sz="1800" dirty="0"/>
+              <a:t>a</a:t>
+            </a:r>
+            <a:r>
+              <a:rPr lang="zh-CN" altLang="en-US" sz="1800" dirty="0"/>
+              <a:t>表示所有模式都支持</a:t>
+            </a:r>
+          </a:p>
+          <a:p>
+            <a:pPr marL="0" indent="0">
+              <a:lnSpc>
+                <a:spcPts val="2000"/>
+              </a:lnSpc>
+              <a:buNone/>
+            </a:pPr>
+            <a:r>
+              <a:rPr lang="en-US" altLang="zh-CN" sz="1800" dirty="0"/>
+              <a:t>set term=screen-256color “ </a:t>
+            </a:r>
+            <a:r>
+              <a:rPr lang="zh-CN" altLang="en-US" sz="1800" dirty="0"/>
+              <a:t>设置终端颜色模式</a:t>
+            </a:r>
+          </a:p>
+          <a:p>
+            <a:pPr marL="0" indent="0">
+              <a:lnSpc>
+                <a:spcPts val="2000"/>
+              </a:lnSpc>
+              <a:buNone/>
+            </a:pPr>
+            <a:r>
+              <a:rPr lang="en-US" altLang="zh-CN" sz="1800" dirty="0"/>
+              <a:t>set </a:t>
+            </a:r>
+            <a:r>
+              <a:rPr lang="en-US" altLang="zh-CN" sz="1800" dirty="0" err="1"/>
+              <a:t>t_Co</a:t>
+            </a:r>
+            <a:r>
+              <a:rPr lang="en-US" altLang="zh-CN" sz="1800" dirty="0"/>
+              <a:t>=256  “ 256</a:t>
+            </a:r>
+            <a:r>
+              <a:rPr lang="zh-CN" altLang="en-US" sz="1800" dirty="0"/>
+              <a:t>颜色支持</a:t>
+            </a:r>
+            <a:endParaRPr lang="en-US" altLang="zh-CN" sz="1800" dirty="0"/>
+          </a:p>
+          <a:p>
+            <a:pPr marL="0" indent="0">
+              <a:lnSpc>
+                <a:spcPts val="2000"/>
+              </a:lnSpc>
+              <a:buNone/>
+            </a:pPr>
+            <a:r>
+              <a:rPr lang="en-US" altLang="zh-CN" sz="1800" dirty="0"/>
+              <a:t>set number “ </a:t>
+            </a:r>
+            <a:r>
+              <a:rPr lang="zh-CN" altLang="en-US" sz="1800" dirty="0"/>
+              <a:t>显示行号</a:t>
+            </a:r>
+          </a:p>
+          <a:p>
+            <a:pPr marL="0" indent="0">
+              <a:lnSpc>
+                <a:spcPts val="2000"/>
+              </a:lnSpc>
+              <a:buNone/>
+            </a:pPr>
+            <a:r>
+              <a:rPr lang="en-US" altLang="zh-CN" sz="1800" dirty="0"/>
+              <a:t>set backspace=2 “ </a:t>
+            </a:r>
+            <a:r>
+              <a:rPr lang="zh-CN" altLang="en-US" sz="1800" dirty="0"/>
+              <a:t>设置退格键删除</a:t>
+            </a:r>
+          </a:p>
+          <a:p>
+            <a:pPr marL="0" indent="0">
+              <a:lnSpc>
+                <a:spcPts val="2000"/>
+              </a:lnSpc>
+              <a:buNone/>
+            </a:pPr>
+            <a:r>
+              <a:rPr lang="en-US" altLang="zh-CN" sz="1800" dirty="0"/>
+              <a:t>set </a:t>
+            </a:r>
+            <a:r>
+              <a:rPr lang="en-US" altLang="zh-CN" sz="1800" dirty="0" err="1"/>
+              <a:t>fileencodings</a:t>
+            </a:r>
+            <a:r>
+              <a:rPr lang="en-US" altLang="zh-CN" sz="1800" dirty="0"/>
+              <a:t>=utf-8 “</a:t>
+            </a:r>
+            <a:r>
+              <a:rPr lang="zh-CN" altLang="en-US" sz="1800" dirty="0"/>
+              <a:t>设置文件编码为</a:t>
+            </a:r>
+            <a:r>
+              <a:rPr lang="en-US" altLang="zh-CN" sz="1800" dirty="0"/>
+              <a:t>utf-8</a:t>
+            </a:r>
+          </a:p>
+          <a:p>
+            <a:pPr marL="0" indent="0">
+              <a:lnSpc>
+                <a:spcPts val="2000"/>
+              </a:lnSpc>
+              <a:buNone/>
+            </a:pPr>
+            <a:r>
+              <a:rPr lang="en-US" altLang="zh-CN" sz="1800" dirty="0"/>
+              <a:t>set encoding=utf-8 “ </a:t>
+            </a:r>
+            <a:r>
+              <a:rPr lang="zh-CN" altLang="en-US" sz="1800" dirty="0"/>
+              <a:t>设置</a:t>
+            </a:r>
+            <a:r>
+              <a:rPr lang="en-US" altLang="zh-CN" sz="1800" dirty="0"/>
+              <a:t>vim</a:t>
+            </a:r>
+            <a:r>
+              <a:rPr lang="zh-CN" altLang="en-US" sz="1800" dirty="0"/>
+              <a:t>编码</a:t>
+            </a:r>
+            <a:r>
+              <a:rPr lang="en-US" altLang="zh-CN" sz="1800" dirty="0"/>
+              <a:t>utf-8</a:t>
+            </a:r>
+          </a:p>
+          <a:p>
+            <a:pPr marL="0" indent="0">
+              <a:lnSpc>
+                <a:spcPts val="2000"/>
+              </a:lnSpc>
+              <a:buNone/>
+            </a:pPr>
+            <a:r>
+              <a:rPr lang="en-US" altLang="zh-CN" sz="1800" dirty="0"/>
+              <a:t>set </a:t>
+            </a:r>
+            <a:r>
+              <a:rPr lang="en-US" altLang="zh-CN" sz="1800" dirty="0" err="1"/>
+              <a:t>termencoding</a:t>
+            </a:r>
+            <a:r>
+              <a:rPr lang="en-US" altLang="zh-CN" sz="1800" dirty="0"/>
+              <a:t>=utf-8 ” </a:t>
+            </a:r>
+            <a:r>
+              <a:rPr lang="zh-CN" altLang="en-US" sz="1800" dirty="0"/>
+              <a:t>设置终端模式编码为</a:t>
+            </a:r>
+            <a:r>
+              <a:rPr lang="en-US" altLang="zh-CN" sz="1800" dirty="0"/>
+              <a:t>utf-8</a:t>
+            </a:r>
+          </a:p>
+          <a:p>
+            <a:pPr marL="0" indent="0">
+              <a:lnSpc>
+                <a:spcPts val="2000"/>
+              </a:lnSpc>
+              <a:buNone/>
+            </a:pPr>
+            <a:r>
+              <a:rPr lang="en-US" altLang="zh-CN" sz="1800" dirty="0"/>
+              <a:t>set </a:t>
+            </a:r>
+            <a:r>
+              <a:rPr lang="en-US" altLang="zh-CN" sz="1800" dirty="0" err="1"/>
+              <a:t>autoindent</a:t>
+            </a:r>
+            <a:r>
+              <a:rPr lang="en-US" altLang="zh-CN" sz="1800" dirty="0"/>
+              <a:t> “ </a:t>
+            </a:r>
+            <a:r>
+              <a:rPr lang="zh-CN" altLang="en-US" sz="1800" dirty="0"/>
+              <a:t>自动缩进</a:t>
+            </a:r>
+          </a:p>
+          <a:p>
+            <a:pPr marL="0" indent="0">
+              <a:lnSpc>
+                <a:spcPts val="2000"/>
+              </a:lnSpc>
+              <a:buNone/>
+            </a:pPr>
+            <a:r>
+              <a:rPr lang="en-US" altLang="zh-CN" sz="1800" dirty="0"/>
+              <a:t>set </a:t>
+            </a:r>
+            <a:r>
+              <a:rPr lang="en-US" altLang="zh-CN" sz="1800" dirty="0" err="1"/>
+              <a:t>shiftwidth</a:t>
+            </a:r>
+            <a:r>
+              <a:rPr lang="en-US" altLang="zh-CN" sz="1800" dirty="0"/>
+              <a:t>=4 “</a:t>
+            </a:r>
+            <a:r>
+              <a:rPr lang="zh-CN" altLang="en-US" sz="1800" dirty="0"/>
+              <a:t>缩进</a:t>
+            </a:r>
+            <a:r>
+              <a:rPr lang="en-US" altLang="zh-CN" sz="1800" dirty="0"/>
+              <a:t>4</a:t>
+            </a:r>
+            <a:r>
+              <a:rPr lang="zh-CN" altLang="en-US" sz="1800" dirty="0"/>
+              <a:t>空格宽度</a:t>
+            </a:r>
+          </a:p>
+          <a:p>
+            <a:pPr marL="0" indent="0">
+              <a:lnSpc>
+                <a:spcPts val="2000"/>
+              </a:lnSpc>
+              <a:buNone/>
+            </a:pPr>
+            <a:r>
+              <a:rPr lang="en-US" altLang="zh-CN" sz="1800" dirty="0"/>
+              <a:t>set </a:t>
+            </a:r>
+            <a:r>
+              <a:rPr lang="en-US" altLang="zh-CN" sz="1800" dirty="0" err="1"/>
+              <a:t>tabstop</a:t>
+            </a:r>
+            <a:r>
+              <a:rPr lang="en-US" altLang="zh-CN" sz="1800" dirty="0"/>
+              <a:t>=4 “ tab</a:t>
+            </a:r>
+            <a:r>
+              <a:rPr lang="zh-CN" altLang="en-US" sz="1800" dirty="0"/>
+              <a:t>缩进</a:t>
+            </a:r>
+            <a:r>
+              <a:rPr lang="en-US" altLang="zh-CN" sz="1800" dirty="0"/>
+              <a:t>4</a:t>
+            </a:r>
+            <a:r>
+              <a:rPr lang="zh-CN" altLang="en-US" sz="1800" dirty="0"/>
+              <a:t>空格宽度</a:t>
+            </a:r>
+          </a:p>
+          <a:p>
+            <a:pPr marL="0" indent="0">
+              <a:lnSpc>
+                <a:spcPts val="2000"/>
+              </a:lnSpc>
+              <a:buNone/>
+            </a:pPr>
+            <a:r>
+              <a:rPr lang="en-US" altLang="zh-CN" sz="1800" dirty="0"/>
+              <a:t>set </a:t>
+            </a:r>
+            <a:r>
+              <a:rPr lang="en-US" altLang="zh-CN" sz="1800" dirty="0" err="1"/>
+              <a:t>expandtab</a:t>
+            </a:r>
+            <a:r>
+              <a:rPr lang="en-US" altLang="zh-CN" sz="1800" dirty="0"/>
+              <a:t> “ tab</a:t>
+            </a:r>
+            <a:r>
+              <a:rPr lang="zh-CN" altLang="en-US" sz="1800" dirty="0"/>
+              <a:t>转换为空格</a:t>
+            </a:r>
           </a:p>
         </p:txBody>
       </p:sp>
     </p:spTree>
     <p:extLst>
       <p:ext uri="{BB962C8B-B14F-4D97-AF65-F5344CB8AC3E}">
-        <p14:creationId xmlns:p14="http://schemas.microsoft.com/office/powerpoint/2010/main" val="11590185"/>
+        <p14:creationId xmlns:p14="http://schemas.microsoft.com/office/powerpoint/2010/main" val="2833520640"/>
       </p:ext>
     </p:extLst>
   </p:cSld>
@@ -7556,10 +7804,10 @@
       </p:grpSpPr>
       <p:sp>
         <p:nvSpPr>
-          <p:cNvPr id="2" name="标题 1">
-            <a:extLst>
-              <a:ext uri="{FF2B5EF4-FFF2-40B4-BE49-F238E27FC236}">
-                <a16:creationId xmlns:a16="http://schemas.microsoft.com/office/drawing/2014/main" id="{8B88BACC-24DE-4087-9AB3-A099CF573089}"/>
+          <p:cNvPr id="4" name="标题 3">
+            <a:extLst>
+              <a:ext uri="{FF2B5EF4-FFF2-40B4-BE49-F238E27FC236}">
+                <a16:creationId xmlns:a16="http://schemas.microsoft.com/office/drawing/2014/main" id="{2729939D-814A-4BD2-9922-3F8EA865938B}"/>
               </a:ext>
             </a:extLst>
           </p:cNvPr>
@@ -7570,29 +7818,29 @@
             <p:ph type="title"/>
           </p:nvPr>
         </p:nvSpPr>
-        <p:spPr/>
-        <p:txBody>
-          <a:bodyPr/>
-          <a:lstStyle/>
-          <a:p>
-            <a:r>
-              <a:rPr lang="en-US" altLang="zh-CN" dirty="0"/>
-              <a:t>ELF</a:t>
-            </a:r>
-            <a:r>
-              <a:rPr lang="zh-CN" altLang="en-US"/>
-              <a:t>文件</a:t>
-            </a:r>
-            <a:endParaRPr lang="zh-CN" altLang="en-US" dirty="0"/>
-          </a:p>
-        </p:txBody>
-      </p:sp>
-      <p:sp>
-        <p:nvSpPr>
-          <p:cNvPr id="3" name="内容占位符 2">
-            <a:extLst>
-              <a:ext uri="{FF2B5EF4-FFF2-40B4-BE49-F238E27FC236}">
-                <a16:creationId xmlns:a16="http://schemas.microsoft.com/office/drawing/2014/main" id="{0A1C6B17-780B-4799-8193-E52FD817AC0E}"/>
+        <p:spPr>
+          <a:xfrm>
+            <a:off x="838200" y="683581"/>
+            <a:ext cx="10515600" cy="736846"/>
+          </a:xfrm>
+        </p:spPr>
+        <p:txBody>
+          <a:bodyPr/>
+          <a:lstStyle/>
+          <a:p>
+            <a:r>
+              <a:rPr lang="zh-CN" altLang="en-US" dirty="0"/>
+              <a:t>其他配置</a:t>
+            </a:r>
+          </a:p>
+        </p:txBody>
+      </p:sp>
+      <p:sp>
+        <p:nvSpPr>
+          <p:cNvPr id="6" name="内容占位符 5">
+            <a:extLst>
+              <a:ext uri="{FF2B5EF4-FFF2-40B4-BE49-F238E27FC236}">
+                <a16:creationId xmlns:a16="http://schemas.microsoft.com/office/drawing/2014/main" id="{B83E9AD4-C606-4679-B884-01F71CC97E44}"/>
               </a:ext>
             </a:extLst>
           </p:cNvPr>
@@ -7603,162 +7851,77 @@
             <p:ph idx="1"/>
           </p:nvPr>
         </p:nvSpPr>
-        <p:spPr/>
+        <p:spPr>
+          <a:xfrm>
+            <a:off x="838200" y="1656500"/>
+            <a:ext cx="10515600" cy="4850832"/>
+          </a:xfrm>
+        </p:spPr>
         <p:txBody>
           <a:bodyPr>
-            <a:normAutofit/>
+            <a:noAutofit/>
           </a:bodyPr>
           <a:lstStyle/>
           <a:p>
-            <a:r>
-              <a:rPr lang="en-US" altLang="zh-CN" sz="2400" dirty="0" err="1"/>
-              <a:t>gcc</a:t>
-            </a:r>
-            <a:r>
-              <a:rPr lang="zh-CN" altLang="en-US" sz="2400" dirty="0"/>
-              <a:t> </a:t>
-            </a:r>
-            <a:r>
-              <a:rPr lang="en-US" altLang="zh-CN" sz="2400" dirty="0" err="1"/>
-              <a:t>test.c</a:t>
-            </a:r>
-            <a:r>
-              <a:rPr lang="zh-CN" altLang="en-US" sz="2400" dirty="0"/>
-              <a:t>编译后的输出文件是</a:t>
-            </a:r>
-            <a:r>
-              <a:rPr lang="en-US" altLang="zh-CN" sz="2400" dirty="0"/>
-              <a:t>ELF</a:t>
-            </a:r>
-            <a:r>
-              <a:rPr lang="zh-CN" altLang="en-US" sz="2400" dirty="0"/>
-              <a:t>格式的，在</a:t>
-            </a:r>
-            <a:r>
-              <a:rPr lang="en-US" altLang="zh-CN" sz="2400" dirty="0"/>
-              <a:t>Linux</a:t>
-            </a:r>
-            <a:r>
-              <a:rPr lang="zh-CN" altLang="en-US" sz="2400" dirty="0"/>
-              <a:t>上是不用扩展名去区分文件类型的，这点和</a:t>
-            </a:r>
-            <a:r>
-              <a:rPr lang="en-US" altLang="zh-CN" sz="2400" dirty="0"/>
-              <a:t>Windows</a:t>
-            </a:r>
-            <a:r>
-              <a:rPr lang="zh-CN" altLang="en-US" sz="2400" dirty="0"/>
-              <a:t>不同。</a:t>
-            </a:r>
-            <a:endParaRPr lang="en-US" altLang="zh-CN" sz="2400" dirty="0"/>
-          </a:p>
-          <a:p>
-            <a:r>
-              <a:rPr lang="zh-CN" altLang="en-US" sz="2400" dirty="0"/>
-              <a:t>而扩展名和文件类型并没有关系，</a:t>
-            </a:r>
-            <a:r>
-              <a:rPr lang="en-US" altLang="zh-CN" sz="2400" dirty="0"/>
-              <a:t>Windows</a:t>
-            </a:r>
-            <a:r>
-              <a:rPr lang="zh-CN" altLang="en-US" sz="2400" dirty="0"/>
-              <a:t>是设计必须使用扩展名和对应的运行程序去关联。</a:t>
-            </a:r>
-            <a:r>
-              <a:rPr lang="en-US" altLang="zh-CN" sz="2400" dirty="0"/>
-              <a:t>.exe</a:t>
-            </a:r>
-            <a:r>
-              <a:rPr lang="zh-CN" altLang="en-US" sz="2400" dirty="0"/>
-              <a:t>是</a:t>
-            </a:r>
-            <a:r>
-              <a:rPr lang="en-US" altLang="zh-CN" sz="2400" dirty="0"/>
-              <a:t>Windows</a:t>
-            </a:r>
-            <a:r>
-              <a:rPr lang="zh-CN" altLang="en-US" sz="2400" dirty="0"/>
-              <a:t>上的可执行文件的扩展名。</a:t>
-            </a:r>
-            <a:r>
-              <a:rPr lang="en-US" altLang="zh-CN" sz="2400" dirty="0"/>
-              <a:t>Windows</a:t>
-            </a:r>
-            <a:r>
-              <a:rPr lang="zh-CN" altLang="en-US" sz="2400" dirty="0"/>
-              <a:t>上采用的</a:t>
-            </a:r>
-            <a:r>
-              <a:rPr lang="en-US" altLang="zh-CN" sz="2400" dirty="0"/>
-              <a:t>PE</a:t>
-            </a:r>
-            <a:r>
-              <a:rPr lang="zh-CN" altLang="en-US" sz="2400" dirty="0"/>
-              <a:t>格式作为可执行文件格式。</a:t>
-            </a:r>
-            <a:endParaRPr lang="en-US" altLang="zh-CN" sz="2400" dirty="0"/>
-          </a:p>
-          <a:p>
-            <a:r>
-              <a:rPr lang="zh-CN" altLang="en-US" sz="2400" dirty="0"/>
-              <a:t>在</a:t>
-            </a:r>
-            <a:r>
-              <a:rPr lang="en-US" altLang="zh-CN" sz="2400" dirty="0"/>
-              <a:t>Linux</a:t>
-            </a:r>
-            <a:r>
-              <a:rPr lang="zh-CN" altLang="en-US" sz="2400" dirty="0"/>
-              <a:t>上采用的格式是</a:t>
-            </a:r>
-            <a:r>
-              <a:rPr lang="en-US" altLang="zh-CN" sz="2400" dirty="0"/>
-              <a:t>ELF</a:t>
-            </a:r>
-            <a:r>
-              <a:rPr lang="zh-CN" altLang="en-US" sz="2400" dirty="0"/>
-              <a:t>，但是不必在文件名中体现出来。</a:t>
-            </a:r>
-            <a:endParaRPr lang="en-US" altLang="zh-CN" sz="2400" dirty="0"/>
-          </a:p>
-          <a:p>
-            <a:r>
-              <a:rPr lang="en-US" altLang="zh-CN" sz="2400" dirty="0" err="1"/>
-              <a:t>readelf</a:t>
-            </a:r>
-            <a:r>
-              <a:rPr lang="en-US" altLang="zh-CN" sz="2400" dirty="0"/>
-              <a:t>  -h ./test</a:t>
-            </a:r>
-            <a:r>
-              <a:rPr lang="zh-CN" altLang="en-US" sz="2400" dirty="0"/>
-              <a:t>可以查看</a:t>
-            </a:r>
-            <a:r>
-              <a:rPr lang="en-US" altLang="zh-CN" sz="2400" dirty="0"/>
-              <a:t>test</a:t>
-            </a:r>
-            <a:r>
-              <a:rPr lang="zh-CN" altLang="en-US" sz="2400" dirty="0"/>
-              <a:t>程序的</a:t>
-            </a:r>
-            <a:r>
-              <a:rPr lang="en-US" altLang="zh-CN" sz="2400" dirty="0"/>
-              <a:t>ELF</a:t>
-            </a:r>
-            <a:r>
-              <a:rPr lang="zh-CN" altLang="en-US" sz="2400" dirty="0"/>
-              <a:t>文件头信息。</a:t>
-            </a:r>
-            <a:endParaRPr lang="en-US" altLang="zh-CN" sz="2400" dirty="0"/>
+            <a:pPr marL="0" indent="0">
+              <a:lnSpc>
+                <a:spcPts val="2000"/>
+              </a:lnSpc>
+              <a:buNone/>
+            </a:pPr>
+            <a:r>
+              <a:rPr lang="en-US" altLang="zh-CN" sz="1800" dirty="0"/>
+              <a:t>set  background=dark</a:t>
+            </a:r>
+          </a:p>
+          <a:p>
+            <a:pPr marL="0" indent="0">
+              <a:lnSpc>
+                <a:spcPts val="2000"/>
+              </a:lnSpc>
+              <a:buNone/>
+            </a:pPr>
+            <a:r>
+              <a:rPr lang="en-US" altLang="zh-CN" sz="1800" dirty="0" err="1"/>
+              <a:t>colorscheme</a:t>
+            </a:r>
+            <a:r>
+              <a:rPr lang="en-US" altLang="zh-CN" sz="1800" dirty="0"/>
+              <a:t>  </a:t>
+            </a:r>
+            <a:r>
+              <a:rPr lang="en-US" altLang="zh-CN" sz="1800" dirty="0" err="1"/>
+              <a:t>colorsbox</a:t>
+            </a:r>
+            <a:r>
+              <a:rPr lang="en-US" altLang="zh-CN" sz="1800" dirty="0"/>
+              <a:t>-material</a:t>
+            </a:r>
+          </a:p>
+          <a:p>
+            <a:pPr marL="0" indent="0">
+              <a:lnSpc>
+                <a:spcPts val="2000"/>
+              </a:lnSpc>
+              <a:buNone/>
+            </a:pPr>
+            <a:endParaRPr lang="en-US" altLang="zh-CN" sz="1800" dirty="0"/>
+          </a:p>
+          <a:p>
+            <a:pPr marL="0" indent="0">
+              <a:lnSpc>
+                <a:spcPts val="2000"/>
+              </a:lnSpc>
+              <a:buNone/>
+            </a:pPr>
+            <a:endParaRPr lang="zh-CN" altLang="en-US" sz="1800" dirty="0"/>
           </a:p>
         </p:txBody>
       </p:sp>
     </p:spTree>
     <p:extLst>
       <p:ext uri="{BB962C8B-B14F-4D97-AF65-F5344CB8AC3E}">
-        <p14:creationId xmlns:p14="http://schemas.microsoft.com/office/powerpoint/2010/main" val="4233008483"/>
+        <p14:creationId xmlns:p14="http://schemas.microsoft.com/office/powerpoint/2010/main" val="489110950"/>
       </p:ext>
     </p:extLst>
   </p:cSld>
@@ -7808,9 +7971,12 @@
           <a:p>
             <a:r>
               <a:rPr lang="en-US" altLang="zh-CN" dirty="0" err="1"/>
-              <a:t>glibc</a:t>
-            </a:r>
-            <a:endParaRPr lang="zh-CN" altLang="en-US" dirty="0"/>
+              <a:t>gcc</a:t>
+            </a:r>
+            <a:r>
+              <a:rPr lang="zh-CN" altLang="en-US" dirty="0"/>
+              <a:t>基本介绍与安装</a:t>
+            </a:r>
           </a:p>
         </p:txBody>
       </p:sp>
@@ -7837,112 +8003,110 @@
           <a:p>
             <a:r>
               <a:rPr lang="en-US" altLang="zh-CN" sz="2400" dirty="0" err="1"/>
-              <a:t>glibc</a:t>
+              <a:t>gcc</a:t>
             </a:r>
             <a:r>
               <a:rPr lang="zh-CN" altLang="en-US" sz="2400" dirty="0"/>
-              <a:t>是</a:t>
+              <a:t>不是一个软件，全名是</a:t>
             </a:r>
             <a:r>
               <a:rPr lang="en-US" altLang="zh-CN" sz="2400" dirty="0"/>
-              <a:t>Linux</a:t>
+              <a:t>GNU Compiler Collection</a:t>
             </a:r>
             <a:r>
               <a:rPr lang="zh-CN" altLang="en-US" sz="2400" dirty="0"/>
-              <a:t>上标准</a:t>
+              <a:t>，是一个编译器集合。</a:t>
+            </a:r>
+            <a:endParaRPr lang="en-US" altLang="zh-CN" sz="2400" dirty="0"/>
+          </a:p>
+          <a:p>
+            <a:r>
+              <a:rPr lang="en-US" altLang="zh-CN" sz="2400" dirty="0" err="1"/>
+              <a:t>gcc</a:t>
+            </a:r>
+            <a:r>
+              <a:rPr lang="zh-CN" altLang="en-US" sz="2400" dirty="0"/>
+              <a:t>支持</a:t>
             </a:r>
             <a:r>
               <a:rPr lang="en-US" altLang="zh-CN" sz="2400" dirty="0"/>
-              <a:t>C</a:t>
+              <a:t>C, C++, Objective-C, Fortran, Ada, and Go</a:t>
             </a:r>
             <a:r>
               <a:rPr lang="zh-CN" altLang="en-US" sz="2400" dirty="0"/>
-              <a:t>的实现。</a:t>
+              <a:t>语言的编译。</a:t>
             </a:r>
             <a:endParaRPr lang="en-US" altLang="zh-CN" sz="2400" dirty="0"/>
           </a:p>
           <a:p>
             <a:r>
+              <a:rPr lang="zh-CN" altLang="en-US" sz="2400" dirty="0"/>
+              <a:t>从名称可以看出是</a:t>
+            </a:r>
+            <a:r>
               <a:rPr lang="en-US" altLang="zh-CN" sz="2400" dirty="0"/>
-              <a:t>.so</a:t>
+              <a:t>GNU</a:t>
             </a:r>
             <a:r>
               <a:rPr lang="zh-CN" altLang="en-US" sz="2400" dirty="0"/>
-              <a:t>文件是</a:t>
+              <a:t>的一个项目，发布于</a:t>
             </a:r>
             <a:r>
               <a:rPr lang="en-US" altLang="zh-CN" sz="2400" dirty="0"/>
-              <a:t>Linux</a:t>
+              <a:t>GPL</a:t>
             </a:r>
             <a:r>
               <a:rPr lang="zh-CN" altLang="en-US" sz="2400" dirty="0"/>
-              <a:t>上的共享库文件，相当于</a:t>
-            </a:r>
+              <a:t>开源协议。</a:t>
+            </a:r>
+            <a:endParaRPr lang="en-US" altLang="zh-CN" sz="2400" dirty="0"/>
+          </a:p>
+          <a:p>
             <a:r>
               <a:rPr lang="en-US" altLang="zh-CN" sz="2400" dirty="0"/>
-              <a:t>Windows</a:t>
+              <a:t>Ubuntu/Debian</a:t>
             </a:r>
             <a:r>
               <a:rPr lang="zh-CN" altLang="en-US" sz="2400" dirty="0"/>
-              <a:t>上的</a:t>
+              <a:t>上一般都自带</a:t>
             </a:r>
             <a:r>
               <a:rPr lang="en-US" altLang="zh-CN" sz="2400" dirty="0" err="1"/>
-              <a:t>dll</a:t>
+              <a:t>gcc</a:t>
             </a:r>
             <a:r>
               <a:rPr lang="zh-CN" altLang="en-US" sz="2400" dirty="0"/>
-              <a:t>文件。</a:t>
+              <a:t>，如果没有则运行</a:t>
+            </a:r>
+            <a:r>
+              <a:rPr lang="en-US" altLang="zh-CN" sz="2400" dirty="0" err="1"/>
+              <a:t>sudo</a:t>
+            </a:r>
+            <a:r>
+              <a:rPr lang="en-US" altLang="zh-CN" sz="2400" dirty="0"/>
+              <a:t> apt install </a:t>
+            </a:r>
+            <a:r>
+              <a:rPr lang="en-US" altLang="zh-CN" sz="2400" dirty="0" err="1"/>
+              <a:t>gcc</a:t>
+            </a:r>
+            <a:r>
+              <a:rPr lang="zh-CN" altLang="en-US" sz="2400" dirty="0"/>
+              <a:t>。</a:t>
             </a:r>
             <a:endParaRPr lang="en-US" altLang="zh-CN" sz="2400" dirty="0"/>
           </a:p>
           <a:p>
             <a:r>
-              <a:rPr lang="en-US" altLang="zh-CN" sz="2400" dirty="0" err="1"/>
-              <a:t>glibc</a:t>
-            </a:r>
-            <a:r>
               <a:rPr lang="zh-CN" altLang="en-US" sz="2400" dirty="0"/>
-              <a:t>的实现库文件是</a:t>
+              <a:t>官网：</a:t>
             </a:r>
             <a:r>
               <a:rPr lang="en-US" altLang="zh-CN" sz="2400" dirty="0"/>
-              <a:t>/lib/x86_64-linux-gnu/libc.so.6</a:t>
-            </a:r>
-            <a:r>
-              <a:rPr lang="zh-CN" altLang="en-US" sz="2400" dirty="0"/>
-              <a:t>链接到</a:t>
-            </a:r>
-            <a:r>
-              <a:rPr lang="en-US" altLang="zh-CN" sz="2400" dirty="0"/>
-              <a:t>/lib/x86_64-linux-gnu/libc-2.23.so</a:t>
-            </a:r>
-          </a:p>
-          <a:p>
-            <a:r>
-              <a:rPr lang="en-US" altLang="zh-CN" sz="2000" dirty="0" err="1"/>
-              <a:t>gcc</a:t>
-            </a:r>
-            <a:r>
-              <a:rPr lang="zh-CN" altLang="en-US" sz="2000" dirty="0"/>
-              <a:t>在编译</a:t>
-            </a:r>
-            <a:r>
-              <a:rPr lang="en-US" altLang="zh-CN" sz="2000" dirty="0"/>
-              <a:t>C</a:t>
-            </a:r>
-            <a:r>
-              <a:rPr lang="zh-CN" altLang="en-US" sz="2000" dirty="0"/>
-              <a:t>语言代码的时候要用到</a:t>
-            </a:r>
-            <a:r>
-              <a:rPr lang="en-US" altLang="zh-CN" sz="2000" dirty="0" err="1"/>
-              <a:t>glibc</a:t>
-            </a:r>
-            <a:r>
-              <a:rPr lang="zh-CN" altLang="en-US" sz="2000" dirty="0"/>
-              <a:t>。</a:t>
-            </a:r>
+              <a:t>https://gcc.gnu.org/</a:t>
+            </a:r>
+          </a:p>
+          <a:p>
             <a:endParaRPr lang="en-US" altLang="zh-CN" sz="2000" dirty="0"/>
           </a:p>
         </p:txBody>
@@ -7950,7 +8114,7 @@
     </p:spTree>
     <p:extLst>
       <p:ext uri="{BB962C8B-B14F-4D97-AF65-F5344CB8AC3E}">
-        <p14:creationId xmlns:p14="http://schemas.microsoft.com/office/powerpoint/2010/main" val="2708619735"/>
+        <p14:creationId xmlns:p14="http://schemas.microsoft.com/office/powerpoint/2010/main" val="1837912860"/>
       </p:ext>
     </p:extLst>
   </p:cSld>
@@ -8004,7 +8168,7 @@
             </a:r>
             <a:r>
               <a:rPr lang="zh-CN" altLang="en-US" dirty="0"/>
-              <a:t>默认的头文件搜索路径</a:t>
+              <a:t>基本使用</a:t>
             </a:r>
           </a:p>
         </p:txBody>
@@ -8031,69 +8195,148 @@
           <a:lstStyle/>
           <a:p>
             <a:r>
+              <a:rPr lang="zh-CN" altLang="en-US" sz="2000" dirty="0"/>
+              <a:t>使用</a:t>
+            </a:r>
+            <a:r>
               <a:rPr lang="en-US" altLang="zh-CN" sz="2000" dirty="0"/>
-              <a:t>#include</a:t>
+              <a:t>vim </a:t>
+            </a:r>
+            <a:r>
+              <a:rPr lang="en-US" altLang="zh-CN" sz="2000" dirty="0" err="1"/>
+              <a:t>test.c</a:t>
             </a:r>
             <a:r>
               <a:rPr lang="zh-CN" altLang="en-US" sz="2000" dirty="0"/>
-              <a:t>包含的头文件默认的搜索路径：</a:t>
+              <a:t>创建文件并编写一段</a:t>
+            </a:r>
+            <a:r>
+              <a:rPr lang="en-US" altLang="zh-CN" sz="2000" dirty="0"/>
+              <a:t>C</a:t>
+            </a:r>
+            <a:r>
+              <a:rPr lang="zh-CN" altLang="en-US" sz="2000" dirty="0"/>
+              <a:t>程序。</a:t>
             </a:r>
             <a:endParaRPr lang="en-US" altLang="zh-CN" sz="2000" dirty="0"/>
           </a:p>
           <a:p>
-            <a:pPr lvl="1"/>
-            <a:r>
-              <a:rPr lang="en-US" altLang="zh-CN" sz="1600" dirty="0"/>
-              <a:t>-I</a:t>
-            </a:r>
-            <a:r>
-              <a:rPr lang="zh-CN" altLang="en-US" sz="1600" dirty="0"/>
-              <a:t>参数指定的路径</a:t>
-            </a:r>
-            <a:endParaRPr lang="en-US" altLang="zh-CN" sz="1600" dirty="0"/>
-          </a:p>
-          <a:p>
-            <a:pPr lvl="1"/>
-            <a:r>
-              <a:rPr lang="en-US" altLang="zh-CN" sz="1800" dirty="0"/>
-              <a:t>/</a:t>
-            </a:r>
-            <a:r>
-              <a:rPr lang="en-US" altLang="zh-CN" sz="1800" dirty="0" err="1"/>
-              <a:t>usr</a:t>
-            </a:r>
-            <a:r>
-              <a:rPr lang="en-US" altLang="zh-CN" sz="1800" dirty="0"/>
-              <a:t>/include</a:t>
-            </a:r>
-          </a:p>
-          <a:p>
-            <a:pPr lvl="1"/>
-            <a:r>
-              <a:rPr lang="en-US" altLang="zh-CN" sz="1800" dirty="0"/>
-              <a:t>/</a:t>
-            </a:r>
-            <a:r>
-              <a:rPr lang="en-US" altLang="zh-CN" sz="1800" dirty="0" err="1"/>
-              <a:t>usr</a:t>
-            </a:r>
-            <a:r>
-              <a:rPr lang="en-US" altLang="zh-CN" sz="1800" dirty="0"/>
-              <a:t>/local/include</a:t>
-            </a:r>
-          </a:p>
-          <a:p>
-            <a:pPr marL="457200" lvl="1" indent="0">
-              <a:buNone/>
-            </a:pPr>
-            <a:endParaRPr lang="en-US" altLang="zh-CN" sz="1800" dirty="0"/>
+            <a:endParaRPr lang="en-US" altLang="zh-CN" sz="2000" dirty="0"/>
+          </a:p>
+          <a:p>
+            <a:r>
+              <a:rPr lang="en-US" altLang="zh-CN" sz="2000" dirty="0" err="1"/>
+              <a:t>gcc</a:t>
+            </a:r>
+            <a:r>
+              <a:rPr lang="en-US" altLang="zh-CN" sz="2000" dirty="0"/>
+              <a:t> </a:t>
+            </a:r>
+            <a:r>
+              <a:rPr lang="en-US" altLang="zh-CN" sz="2000" dirty="0" err="1"/>
+              <a:t>test.c</a:t>
+            </a:r>
+            <a:r>
+              <a:rPr lang="zh-CN" altLang="en-US" sz="2000" dirty="0"/>
+              <a:t>即可编译，编译后的文件是</a:t>
+            </a:r>
+            <a:r>
+              <a:rPr lang="en-US" altLang="zh-CN" sz="2000" dirty="0" err="1"/>
+              <a:t>a.out</a:t>
+            </a:r>
+            <a:r>
+              <a:rPr lang="zh-CN" altLang="en-US" sz="2000" dirty="0"/>
+              <a:t>。</a:t>
+            </a:r>
+            <a:endParaRPr lang="en-US" altLang="zh-CN" sz="2000" dirty="0"/>
+          </a:p>
+          <a:p>
+            <a:endParaRPr lang="en-US" altLang="zh-CN" sz="2000" dirty="0"/>
+          </a:p>
+          <a:p>
+            <a:r>
+              <a:rPr lang="en-US" altLang="zh-CN" sz="2000" dirty="0"/>
+              <a:t>./</a:t>
+            </a:r>
+            <a:r>
+              <a:rPr lang="en-US" altLang="zh-CN" sz="2000" dirty="0" err="1"/>
+              <a:t>a.out</a:t>
+            </a:r>
+            <a:r>
+              <a:rPr lang="zh-CN" altLang="en-US" sz="2000" dirty="0"/>
+              <a:t>运行编译的程序。</a:t>
+            </a:r>
+            <a:endParaRPr lang="en-US" altLang="zh-CN" sz="2000" dirty="0"/>
+          </a:p>
+          <a:p>
+            <a:endParaRPr lang="en-US" altLang="zh-CN" sz="2000" dirty="0"/>
+          </a:p>
+          <a:p>
+            <a:r>
+              <a:rPr lang="en-US" altLang="zh-CN" sz="2000" dirty="0" err="1"/>
+              <a:t>gcc</a:t>
+            </a:r>
+            <a:r>
+              <a:rPr lang="zh-CN" altLang="en-US" sz="2000" dirty="0"/>
+              <a:t>编译后的默认名称是</a:t>
+            </a:r>
+            <a:r>
+              <a:rPr lang="en-US" altLang="zh-CN" sz="2000" dirty="0" err="1"/>
+              <a:t>a.out</a:t>
+            </a:r>
+            <a:endParaRPr lang="en-US" altLang="zh-CN" sz="2000" dirty="0"/>
+          </a:p>
+          <a:p>
+            <a:endParaRPr lang="en-US" altLang="zh-CN" sz="2000" dirty="0"/>
+          </a:p>
+          <a:p>
+            <a:r>
+              <a:rPr lang="en-US" altLang="zh-CN" sz="2000" dirty="0" err="1"/>
+              <a:t>gcc</a:t>
+            </a:r>
+            <a:r>
+              <a:rPr lang="en-US" altLang="zh-CN" sz="2000" dirty="0"/>
+              <a:t> –o test </a:t>
+            </a:r>
+            <a:r>
+              <a:rPr lang="en-US" altLang="zh-CN" sz="2000" dirty="0" err="1"/>
+              <a:t>test.c</a:t>
+            </a:r>
+            <a:r>
+              <a:rPr lang="en-US" altLang="zh-CN" sz="2000" dirty="0"/>
+              <a:t> </a:t>
+            </a:r>
+            <a:r>
+              <a:rPr lang="zh-CN" altLang="en-US" sz="2000" dirty="0"/>
+              <a:t>编译后的文件是</a:t>
+            </a:r>
+            <a:r>
+              <a:rPr lang="en-US" altLang="zh-CN" sz="2000" dirty="0"/>
+              <a:t>test</a:t>
+            </a:r>
+            <a:r>
+              <a:rPr lang="zh-CN" altLang="en-US" sz="2000" dirty="0"/>
+              <a:t>，</a:t>
+            </a:r>
+            <a:r>
+              <a:rPr lang="en-US" altLang="zh-CN" sz="2000" dirty="0"/>
+              <a:t>-o</a:t>
+            </a:r>
+            <a:r>
+              <a:rPr lang="zh-CN" altLang="en-US" sz="2000" dirty="0"/>
+              <a:t>参数后面跟输出文件的名称。</a:t>
+            </a:r>
+            <a:endParaRPr lang="en-US" altLang="zh-CN" sz="2000" dirty="0"/>
+          </a:p>
+          <a:p>
+            <a:endParaRPr lang="en-US" altLang="zh-CN" sz="2000" dirty="0"/>
           </a:p>
         </p:txBody>
       </p:sp>
     </p:spTree>
     <p:extLst>
       <p:ext uri="{BB962C8B-B14F-4D97-AF65-F5344CB8AC3E}">
-        <p14:creationId xmlns:p14="http://schemas.microsoft.com/office/powerpoint/2010/main" val="1437789206"/>
+        <p14:creationId xmlns:p14="http://schemas.microsoft.com/office/powerpoint/2010/main" val="11590185"/>
       </p:ext>
     </p:extLst>
   </p:cSld>
@@ -8142,13 +8385,14 @@
           <a:lstStyle/>
           <a:p>
             <a:r>
-              <a:rPr lang="en-US" altLang="zh-CN" dirty="0" err="1"/>
-              <a:t>gcc</a:t>
-            </a:r>
-            <a:r>
-              <a:rPr lang="zh-CN" altLang="en-US" dirty="0"/>
-              <a:t>共享库搜索路径</a:t>
-            </a:r>
+              <a:rPr lang="en-US" altLang="zh-CN" dirty="0"/>
+              <a:t>ELF</a:t>
+            </a:r>
+            <a:r>
+              <a:rPr lang="zh-CN" altLang="en-US"/>
+              <a:t>文件</a:t>
+            </a:r>
+            <a:endParaRPr lang="zh-CN" altLang="en-US" dirty="0"/>
           </a:p>
         </p:txBody>
       </p:sp>
@@ -8170,7 +8414,9 @@
         </p:nvSpPr>
         <p:spPr/>
         <p:txBody>
-          <a:bodyPr/>
+          <a:bodyPr>
+            <a:normAutofit/>
+          </a:bodyPr>
           <a:lstStyle/>
           <a:p>
             <a:r>
@@ -8179,80 +8425,158 @@
             </a:r>
             <a:r>
               <a:rPr lang="zh-CN" altLang="en-US" sz="2000" dirty="0"/>
-              <a:t>共享库的搜索路径：</a:t>
+              <a:t> </a:t>
+            </a:r>
+            <a:r>
+              <a:rPr lang="en-US" altLang="zh-CN" sz="2000" dirty="0" err="1"/>
+              <a:t>test.c</a:t>
+            </a:r>
+            <a:r>
+              <a:rPr lang="zh-CN" altLang="en-US" sz="2000" dirty="0"/>
+              <a:t>编译后的输出文件是</a:t>
+            </a:r>
+            <a:r>
+              <a:rPr lang="en-US" altLang="zh-CN" sz="2000" dirty="0"/>
+              <a:t>ELF</a:t>
+            </a:r>
+            <a:r>
+              <a:rPr lang="zh-CN" altLang="en-US" sz="2000" dirty="0"/>
+              <a:t>格式的，在</a:t>
+            </a:r>
+            <a:r>
+              <a:rPr lang="en-US" altLang="zh-CN" sz="2000" dirty="0"/>
+              <a:t>Linux</a:t>
+            </a:r>
+            <a:r>
+              <a:rPr lang="zh-CN" altLang="en-US" sz="2000" dirty="0"/>
+              <a:t>上是不用扩展名去区分文件类型的，这点和</a:t>
+            </a:r>
+            <a:r>
+              <a:rPr lang="en-US" altLang="zh-CN" sz="2000" dirty="0"/>
+              <a:t>Windows</a:t>
+            </a:r>
+            <a:r>
+              <a:rPr lang="zh-CN" altLang="en-US" sz="2000" dirty="0"/>
+              <a:t>不同。</a:t>
             </a:r>
             <a:endParaRPr lang="en-US" altLang="zh-CN" sz="2000" dirty="0"/>
           </a:p>
           <a:p>
-            <a:pPr lvl="1"/>
-            <a:r>
-              <a:rPr lang="zh-CN" altLang="en-US" sz="1800" dirty="0"/>
-              <a:t>编译时指定的路径</a:t>
-            </a:r>
-            <a:endParaRPr lang="en-US" altLang="zh-CN" sz="1800" dirty="0"/>
-          </a:p>
-          <a:p>
-            <a:pPr lvl="1"/>
-            <a:r>
-              <a:rPr lang="zh-CN" altLang="en-US" sz="1800" dirty="0"/>
-              <a:t>通过</a:t>
-            </a:r>
-            <a:r>
-              <a:rPr lang="en-US" altLang="zh-CN" sz="1800" dirty="0"/>
-              <a:t>/</a:t>
-            </a:r>
-            <a:r>
-              <a:rPr lang="en-US" altLang="zh-CN" sz="1800" dirty="0" err="1"/>
-              <a:t>etc</a:t>
-            </a:r>
-            <a:r>
-              <a:rPr lang="en-US" altLang="zh-CN" sz="1800" dirty="0"/>
-              <a:t>/</a:t>
-            </a:r>
-            <a:r>
-              <a:rPr lang="en-US" altLang="zh-CN" sz="1800" dirty="0" err="1"/>
-              <a:t>ld.so.conf</a:t>
-            </a:r>
-            <a:r>
-              <a:rPr lang="zh-CN" altLang="en-US" sz="1800" dirty="0"/>
-              <a:t>配置文件中指定的路径搜索</a:t>
-            </a:r>
-            <a:endParaRPr lang="en-US" altLang="zh-CN" sz="1800" dirty="0"/>
-          </a:p>
-          <a:p>
-            <a:pPr lvl="1"/>
-            <a:r>
-              <a:rPr lang="en-US" altLang="zh-CN" sz="1800" dirty="0"/>
-              <a:t>/lib</a:t>
-            </a:r>
-          </a:p>
-          <a:p>
-            <a:pPr lvl="1"/>
-            <a:r>
-              <a:rPr lang="en-US" altLang="zh-CN" sz="1800" dirty="0"/>
-              <a:t>/</a:t>
-            </a:r>
-            <a:r>
-              <a:rPr lang="en-US" altLang="zh-CN" sz="1800" dirty="0" err="1"/>
-              <a:t>usr</a:t>
-            </a:r>
-            <a:r>
-              <a:rPr lang="en-US" altLang="zh-CN" sz="1800" dirty="0"/>
-              <a:t>/lib</a:t>
-            </a:r>
-          </a:p>
-          <a:p>
-            <a:pPr marL="457200" lvl="1" indent="0">
-              <a:buNone/>
-            </a:pPr>
-            <a:endParaRPr lang="en-US" altLang="zh-CN" sz="1600" dirty="0"/>
+            <a:endParaRPr lang="en-US" altLang="zh-CN" sz="2000" dirty="0"/>
+          </a:p>
+          <a:p>
+            <a:r>
+              <a:rPr lang="zh-CN" altLang="en-US" sz="2000" dirty="0"/>
+              <a:t>而扩展名和文件类型并没有关系，</a:t>
+            </a:r>
+            <a:r>
+              <a:rPr lang="en-US" altLang="zh-CN" sz="2000" dirty="0"/>
+              <a:t>Windows</a:t>
+            </a:r>
+            <a:r>
+              <a:rPr lang="zh-CN" altLang="en-US" sz="2000" dirty="0"/>
+              <a:t>是设计必须使用扩展名和对应的运行程序去关联。</a:t>
+            </a:r>
+            <a:r>
+              <a:rPr lang="en-US" altLang="zh-CN" sz="2000" dirty="0"/>
+              <a:t>.exe</a:t>
+            </a:r>
+            <a:r>
+              <a:rPr lang="zh-CN" altLang="en-US" sz="2000" dirty="0"/>
+              <a:t>是</a:t>
+            </a:r>
+            <a:r>
+              <a:rPr lang="en-US" altLang="zh-CN" sz="2000" dirty="0"/>
+              <a:t>Windows</a:t>
+            </a:r>
+            <a:r>
+              <a:rPr lang="zh-CN" altLang="en-US" sz="2000" dirty="0"/>
+              <a:t>上的可执行文件的扩展名。</a:t>
+            </a:r>
+            <a:r>
+              <a:rPr lang="en-US" altLang="zh-CN" sz="2000" dirty="0"/>
+              <a:t>Windows</a:t>
+            </a:r>
+            <a:r>
+              <a:rPr lang="zh-CN" altLang="en-US" sz="2000" dirty="0"/>
+              <a:t>上采用的</a:t>
+            </a:r>
+            <a:r>
+              <a:rPr lang="en-US" altLang="zh-CN" sz="2000" dirty="0"/>
+              <a:t>PE</a:t>
+            </a:r>
+            <a:r>
+              <a:rPr lang="zh-CN" altLang="en-US" sz="2000" dirty="0"/>
+              <a:t>格式作为可执行文件格式。</a:t>
+            </a:r>
+            <a:endParaRPr lang="en-US" altLang="zh-CN" sz="2000" dirty="0"/>
+          </a:p>
+          <a:p>
+            <a:endParaRPr lang="en-US" altLang="zh-CN" sz="2000" dirty="0"/>
+          </a:p>
+          <a:p>
+            <a:r>
+              <a:rPr lang="zh-CN" altLang="en-US" sz="2000" dirty="0"/>
+              <a:t>在</a:t>
+            </a:r>
+            <a:r>
+              <a:rPr lang="en-US" altLang="zh-CN" sz="2000" dirty="0"/>
+              <a:t>Linux</a:t>
+            </a:r>
+            <a:r>
+              <a:rPr lang="zh-CN" altLang="en-US" sz="2000" dirty="0"/>
+              <a:t>上采用的格式是</a:t>
+            </a:r>
+            <a:r>
+              <a:rPr lang="en-US" altLang="zh-CN" sz="2000" dirty="0"/>
+              <a:t>ELF</a:t>
+            </a:r>
+            <a:r>
+              <a:rPr lang="zh-CN" altLang="en-US" sz="2000" dirty="0"/>
+              <a:t>，但是不必在文件名中体现出来。</a:t>
+            </a:r>
+            <a:endParaRPr lang="en-US" altLang="zh-CN" sz="2000" dirty="0"/>
+          </a:p>
+          <a:p>
+            <a:endParaRPr lang="en-US" altLang="zh-CN" sz="2000" dirty="0"/>
+          </a:p>
+          <a:p>
+            <a:r>
+              <a:rPr lang="en-US" altLang="zh-CN" sz="2000" dirty="0" err="1"/>
+              <a:t>readelf</a:t>
+            </a:r>
+            <a:r>
+              <a:rPr lang="en-US" altLang="zh-CN" sz="2000" dirty="0"/>
+              <a:t>  -h ./test</a:t>
+            </a:r>
+            <a:r>
+              <a:rPr lang="zh-CN" altLang="en-US" sz="2000" dirty="0"/>
+              <a:t>可以查看</a:t>
+            </a:r>
+            <a:r>
+              <a:rPr lang="en-US" altLang="zh-CN" sz="2000" dirty="0"/>
+              <a:t>test</a:t>
+            </a:r>
+            <a:r>
+              <a:rPr lang="zh-CN" altLang="en-US" sz="2000" dirty="0"/>
+              <a:t>程序的</a:t>
+            </a:r>
+            <a:r>
+              <a:rPr lang="en-US" altLang="zh-CN" sz="2000" dirty="0"/>
+              <a:t>ELF</a:t>
+            </a:r>
+            <a:r>
+              <a:rPr lang="zh-CN" altLang="en-US" sz="2000" dirty="0"/>
+              <a:t>文件头信息。</a:t>
+            </a:r>
+            <a:endParaRPr lang="en-US" altLang="zh-CN" sz="2000" dirty="0"/>
           </a:p>
         </p:txBody>
       </p:sp>
     </p:spTree>
     <p:extLst>
       <p:ext uri="{BB962C8B-B14F-4D97-AF65-F5344CB8AC3E}">
-        <p14:creationId xmlns:p14="http://schemas.microsoft.com/office/powerpoint/2010/main" val="3129173604"/>
+        <p14:creationId xmlns:p14="http://schemas.microsoft.com/office/powerpoint/2010/main" val="4233008483"/>
       </p:ext>
     </p:extLst>
   </p:cSld>
@@ -8302,69 +8626,151 @@
           <a:p>
             <a:r>
               <a:rPr lang="en-US" altLang="zh-CN" dirty="0" err="1"/>
+              <a:t>glibc</a:t>
+            </a:r>
+            <a:endParaRPr lang="zh-CN" altLang="en-US" dirty="0"/>
+          </a:p>
+        </p:txBody>
+      </p:sp>
+      <p:sp>
+        <p:nvSpPr>
+          <p:cNvPr id="3" name="内容占位符 2">
+            <a:extLst>
+              <a:ext uri="{FF2B5EF4-FFF2-40B4-BE49-F238E27FC236}">
+                <a16:creationId xmlns:a16="http://schemas.microsoft.com/office/drawing/2014/main" id="{0A1C6B17-780B-4799-8193-E52FD817AC0E}"/>
+              </a:ext>
+            </a:extLst>
+          </p:cNvPr>
+          <p:cNvSpPr>
+            <a:spLocks noGrp="1"/>
+          </p:cNvSpPr>
+          <p:nvPr>
+            <p:ph idx="1"/>
+          </p:nvPr>
+        </p:nvSpPr>
+        <p:spPr/>
+        <p:txBody>
+          <a:bodyPr>
+            <a:normAutofit/>
+          </a:bodyPr>
+          <a:lstStyle/>
+          <a:p>
+            <a:r>
+              <a:rPr lang="en-US" altLang="zh-CN" sz="2000" dirty="0" err="1"/>
+              <a:t>glibc</a:t>
+            </a:r>
+            <a:r>
+              <a:rPr lang="zh-CN" altLang="en-US" sz="2000" dirty="0"/>
+              <a:t>是</a:t>
+            </a:r>
+            <a:r>
+              <a:rPr lang="en-US" altLang="zh-CN" sz="2000" dirty="0"/>
+              <a:t>Linux</a:t>
+            </a:r>
+            <a:r>
+              <a:rPr lang="zh-CN" altLang="en-US" sz="2000" dirty="0"/>
+              <a:t>上标准</a:t>
+            </a:r>
+            <a:r>
+              <a:rPr lang="en-US" altLang="zh-CN" sz="2000" dirty="0"/>
+              <a:t>C</a:t>
+            </a:r>
+            <a:r>
+              <a:rPr lang="zh-CN" altLang="en-US" sz="2000" dirty="0"/>
+              <a:t>的实现。</a:t>
+            </a:r>
+            <a:endParaRPr lang="en-US" altLang="zh-CN" sz="2000" dirty="0"/>
+          </a:p>
+          <a:p>
+            <a:endParaRPr lang="en-US" altLang="zh-CN" sz="2000" dirty="0"/>
+          </a:p>
+          <a:p>
+            <a:r>
+              <a:rPr lang="en-US" altLang="zh-CN" sz="2000" dirty="0"/>
+              <a:t>.so</a:t>
+            </a:r>
+            <a:r>
+              <a:rPr lang="zh-CN" altLang="en-US" sz="2000" dirty="0"/>
+              <a:t>文件是</a:t>
+            </a:r>
+            <a:r>
+              <a:rPr lang="en-US" altLang="zh-CN" sz="2000" dirty="0"/>
+              <a:t>Linux</a:t>
+            </a:r>
+            <a:r>
+              <a:rPr lang="zh-CN" altLang="en-US" sz="2000" dirty="0"/>
+              <a:t>上的共享库文件，相当于</a:t>
+            </a:r>
+            <a:r>
+              <a:rPr lang="en-US" altLang="zh-CN" sz="2000" dirty="0"/>
+              <a:t>Windows</a:t>
+            </a:r>
+            <a:r>
+              <a:rPr lang="zh-CN" altLang="en-US" sz="2000" dirty="0"/>
+              <a:t>上的</a:t>
+            </a:r>
+            <a:r>
+              <a:rPr lang="en-US" altLang="zh-CN" sz="2000" dirty="0" err="1"/>
+              <a:t>dll</a:t>
+            </a:r>
+            <a:r>
+              <a:rPr lang="zh-CN" altLang="en-US" sz="2000" dirty="0"/>
+              <a:t>文件。</a:t>
+            </a:r>
+            <a:endParaRPr lang="en-US" altLang="zh-CN" sz="2000" dirty="0"/>
+          </a:p>
+          <a:p>
+            <a:endParaRPr lang="en-US" altLang="zh-CN" sz="2000" dirty="0"/>
+          </a:p>
+          <a:p>
+            <a:r>
+              <a:rPr lang="en-US" altLang="zh-CN" sz="2000" dirty="0" err="1"/>
+              <a:t>glibc</a:t>
+            </a:r>
+            <a:r>
+              <a:rPr lang="zh-CN" altLang="en-US" sz="2000" dirty="0"/>
+              <a:t>的实现库文件是</a:t>
+            </a:r>
+            <a:r>
+              <a:rPr lang="en-US" altLang="zh-CN" sz="2000" dirty="0"/>
+              <a:t>/lib/x86_64-linux-gnu/libc.so.6</a:t>
+            </a:r>
+            <a:r>
+              <a:rPr lang="zh-CN" altLang="en-US" sz="2000" dirty="0"/>
+              <a:t>链接到</a:t>
+            </a:r>
+            <a:r>
+              <a:rPr lang="en-US" altLang="zh-CN" sz="2000" dirty="0"/>
+              <a:t>/lib/x86_64-linux-gnu/libc-2.23.so</a:t>
+            </a:r>
+          </a:p>
+          <a:p>
+            <a:endParaRPr lang="en-US" altLang="zh-CN" sz="2000" dirty="0"/>
+          </a:p>
+          <a:p>
+            <a:r>
+              <a:rPr lang="en-US" altLang="zh-CN" sz="2000" dirty="0" err="1"/>
               <a:t>gcc</a:t>
             </a:r>
             <a:r>
-              <a:rPr lang="zh-CN" altLang="en-US" dirty="0"/>
-              <a:t>指定库路径和名称</a:t>
-            </a:r>
-          </a:p>
-        </p:txBody>
-      </p:sp>
-      <p:sp>
-        <p:nvSpPr>
-          <p:cNvPr id="3" name="内容占位符 2">
-            <a:extLst>
-              <a:ext uri="{FF2B5EF4-FFF2-40B4-BE49-F238E27FC236}">
-                <a16:creationId xmlns:a16="http://schemas.microsoft.com/office/drawing/2014/main" id="{0A1C6B17-780B-4799-8193-E52FD817AC0E}"/>
-              </a:ext>
-            </a:extLst>
-          </p:cNvPr>
-          <p:cNvSpPr>
-            <a:spLocks noGrp="1"/>
-          </p:cNvSpPr>
-          <p:nvPr>
-            <p:ph idx="1"/>
-          </p:nvPr>
-        </p:nvSpPr>
-        <p:spPr/>
-        <p:txBody>
-          <a:bodyPr/>
-          <a:lstStyle/>
-          <a:p>
-            <a:r>
               <a:rPr lang="zh-CN" altLang="en-US" sz="2000" dirty="0"/>
-              <a:t>如果一个链接库没有在默认的目录，则可以使用</a:t>
+              <a:t>在编译</a:t>
             </a:r>
             <a:r>
               <a:rPr lang="en-US" altLang="zh-CN" sz="2000" dirty="0"/>
-              <a:t>-L</a:t>
+              <a:t>C</a:t>
             </a:r>
             <a:r>
               <a:rPr lang="zh-CN" altLang="en-US" sz="2000" dirty="0"/>
-              <a:t>指定目录，使用</a:t>
-            </a:r>
-            <a:r>
-              <a:rPr lang="en-US" altLang="zh-CN" sz="2000" dirty="0"/>
-              <a:t>-l</a:t>
+              <a:t>语言代码的时候要用到</a:t>
+            </a:r>
+            <a:r>
+              <a:rPr lang="en-US" altLang="zh-CN" sz="2000" dirty="0" err="1"/>
+              <a:t>glibc</a:t>
             </a:r>
             <a:r>
               <a:rPr lang="zh-CN" altLang="en-US" sz="2000" dirty="0"/>
-              <a:t>指定链接库名称。</a:t>
-            </a:r>
-            <a:endParaRPr lang="en-US" altLang="zh-CN" sz="2000" dirty="0"/>
-          </a:p>
-          <a:p>
-            <a:r>
-              <a:rPr lang="zh-CN" altLang="en-US" sz="2000" dirty="0"/>
-              <a:t>如果使用指定的库，则会先去搜索指定的库。</a:t>
-            </a:r>
-            <a:endParaRPr lang="en-US" altLang="zh-CN" sz="2000" dirty="0"/>
-          </a:p>
-          <a:p>
-            <a:r>
-              <a:rPr lang="zh-CN" altLang="en-US" sz="2000"/>
-              <a:t>然后去默认的路径搜索。</a:t>
+              <a:t>。</a:t>
             </a:r>
             <a:endParaRPr lang="en-US" altLang="zh-CN" sz="2000" dirty="0"/>
           </a:p>
@@ -8373,7 +8779,7 @@
     </p:spTree>
     <p:extLst>
       <p:ext uri="{BB962C8B-B14F-4D97-AF65-F5344CB8AC3E}">
-        <p14:creationId xmlns:p14="http://schemas.microsoft.com/office/powerpoint/2010/main" val="4085197604"/>
+        <p14:creationId xmlns:p14="http://schemas.microsoft.com/office/powerpoint/2010/main" val="2708619735"/>
       </p:ext>
     </p:extLst>
   </p:cSld>

--- a/materials/slides/ch15-vim-and-linux-c-programming.pptx
+++ b/materials/slides/ch15-vim-and-linux-c-programming.pptx
@@ -275,7 +275,7 @@
           <a:p>
             <a:fld id="{02E60DA2-A0BC-48C9-AA88-75C78721B420}" type="datetimeFigureOut">
               <a:rPr lang="zh-CN" altLang="en-US" smtClean="0"/>
-              <a:t>2018/2/25</a:t>
+              <a:t>2018/2/27</a:t>
             </a:fld>
             <a:endParaRPr lang="zh-CN" altLang="en-US"/>
           </a:p>
@@ -497,7 +497,7 @@
           <a:p>
             <a:fld id="{02E60DA2-A0BC-48C9-AA88-75C78721B420}" type="datetimeFigureOut">
               <a:rPr lang="zh-CN" altLang="en-US" smtClean="0"/>
-              <a:t>2018/2/25</a:t>
+              <a:t>2018/2/27</a:t>
             </a:fld>
             <a:endParaRPr lang="zh-CN" altLang="en-US"/>
           </a:p>
@@ -729,7 +729,7 @@
           <a:p>
             <a:fld id="{02E60DA2-A0BC-48C9-AA88-75C78721B420}" type="datetimeFigureOut">
               <a:rPr lang="zh-CN" altLang="en-US" smtClean="0"/>
-              <a:t>2018/2/25</a:t>
+              <a:t>2018/2/27</a:t>
             </a:fld>
             <a:endParaRPr lang="zh-CN" altLang="en-US"/>
           </a:p>
@@ -979,7 +979,7 @@
           <a:p>
             <a:fld id="{02E60DA2-A0BC-48C9-AA88-75C78721B420}" type="datetimeFigureOut">
               <a:rPr lang="zh-CN" altLang="en-US" smtClean="0"/>
-              <a:t>2018/2/25</a:t>
+              <a:t>2018/2/27</a:t>
             </a:fld>
             <a:endParaRPr lang="zh-CN" altLang="en-US"/>
           </a:p>
@@ -1217,7 +1217,7 @@
           <a:p>
             <a:fld id="{02E60DA2-A0BC-48C9-AA88-75C78721B420}" type="datetimeFigureOut">
               <a:rPr lang="zh-CN" altLang="en-US" smtClean="0"/>
-              <a:t>2018/2/25</a:t>
+              <a:t>2018/2/27</a:t>
             </a:fld>
             <a:endParaRPr lang="zh-CN" altLang="en-US"/>
           </a:p>
@@ -1522,7 +1522,7 @@
           <a:p>
             <a:fld id="{02E60DA2-A0BC-48C9-AA88-75C78721B420}" type="datetimeFigureOut">
               <a:rPr lang="zh-CN" altLang="en-US" smtClean="0"/>
-              <a:t>2018/2/25</a:t>
+              <a:t>2018/2/27</a:t>
             </a:fld>
             <a:endParaRPr lang="zh-CN" altLang="en-US"/>
           </a:p>
@@ -1825,7 +1825,7 @@
           <a:p>
             <a:fld id="{02E60DA2-A0BC-48C9-AA88-75C78721B420}" type="datetimeFigureOut">
               <a:rPr lang="zh-CN" altLang="en-US" smtClean="0"/>
-              <a:t>2018/2/25</a:t>
+              <a:t>2018/2/27</a:t>
             </a:fld>
             <a:endParaRPr lang="zh-CN" altLang="en-US"/>
           </a:p>
@@ -2276,7 +2276,7 @@
           <a:p>
             <a:fld id="{02E60DA2-A0BC-48C9-AA88-75C78721B420}" type="datetimeFigureOut">
               <a:rPr lang="zh-CN" altLang="en-US" smtClean="0"/>
-              <a:t>2018/2/25</a:t>
+              <a:t>2018/2/27</a:t>
             </a:fld>
             <a:endParaRPr lang="zh-CN" altLang="en-US"/>
           </a:p>
@@ -2449,7 +2449,7 @@
           <a:p>
             <a:fld id="{02E60DA2-A0BC-48C9-AA88-75C78721B420}" type="datetimeFigureOut">
               <a:rPr lang="zh-CN" altLang="en-US" smtClean="0"/>
-              <a:t>2018/2/25</a:t>
+              <a:t>2018/2/27</a:t>
             </a:fld>
             <a:endParaRPr lang="zh-CN" altLang="en-US"/>
           </a:p>
@@ -2586,7 +2586,7 @@
           <a:p>
             <a:fld id="{02E60DA2-A0BC-48C9-AA88-75C78721B420}" type="datetimeFigureOut">
               <a:rPr lang="zh-CN" altLang="en-US" smtClean="0"/>
-              <a:t>2018/2/25</a:t>
+              <a:t>2018/2/27</a:t>
             </a:fld>
             <a:endParaRPr lang="zh-CN" altLang="en-US"/>
           </a:p>
@@ -2930,7 +2930,7 @@
           <a:p>
             <a:fld id="{02E60DA2-A0BC-48C9-AA88-75C78721B420}" type="datetimeFigureOut">
               <a:rPr lang="zh-CN" altLang="en-US" smtClean="0"/>
-              <a:t>2018/2/25</a:t>
+              <a:t>2018/2/27</a:t>
             </a:fld>
             <a:endParaRPr lang="zh-CN" altLang="en-US"/>
           </a:p>
@@ -3152,7 +3152,7 @@
           <a:p>
             <a:fld id="{02E60DA2-A0BC-48C9-AA88-75C78721B420}" type="datetimeFigureOut">
               <a:rPr lang="zh-CN" altLang="en-US" smtClean="0"/>
-              <a:t>2018/2/25</a:t>
+              <a:t>2018/2/27</a:t>
             </a:fld>
             <a:endParaRPr lang="zh-CN" altLang="en-US"/>
           </a:p>
@@ -3473,7 +3473,7 @@
           <a:p>
             <a:fld id="{02E60DA2-A0BC-48C9-AA88-75C78721B420}" type="datetimeFigureOut">
               <a:rPr lang="zh-CN" altLang="en-US" smtClean="0"/>
-              <a:t>2018/2/25</a:t>
+              <a:t>2018/2/27</a:t>
             </a:fld>
             <a:endParaRPr lang="zh-CN" altLang="en-US"/>
           </a:p>
@@ -3711,7 +3711,7 @@
           <a:p>
             <a:fld id="{02E60DA2-A0BC-48C9-AA88-75C78721B420}" type="datetimeFigureOut">
               <a:rPr lang="zh-CN" altLang="en-US" smtClean="0"/>
-              <a:t>2018/2/25</a:t>
+              <a:t>2018/2/27</a:t>
             </a:fld>
             <a:endParaRPr lang="zh-CN" altLang="en-US"/>
           </a:p>
@@ -3949,7 +3949,7 @@
           <a:p>
             <a:fld id="{02E60DA2-A0BC-48C9-AA88-75C78721B420}" type="datetimeFigureOut">
               <a:rPr lang="zh-CN" altLang="en-US" smtClean="0"/>
-              <a:t>2018/2/25</a:t>
+              <a:t>2018/2/27</a:t>
             </a:fld>
             <a:endParaRPr lang="zh-CN" altLang="en-US"/>
           </a:p>
@@ -4248,7 +4248,7 @@
           <a:p>
             <a:fld id="{02E60DA2-A0BC-48C9-AA88-75C78721B420}" type="datetimeFigureOut">
               <a:rPr lang="zh-CN" altLang="en-US" smtClean="0"/>
-              <a:t>2018/2/25</a:t>
+              <a:t>2018/2/27</a:t>
             </a:fld>
             <a:endParaRPr lang="zh-CN" altLang="en-US"/>
           </a:p>
@@ -4537,7 +4537,7 @@
           <a:p>
             <a:fld id="{02E60DA2-A0BC-48C9-AA88-75C78721B420}" type="datetimeFigureOut">
               <a:rPr lang="zh-CN" altLang="en-US" smtClean="0"/>
-              <a:t>2018/2/25</a:t>
+              <a:t>2018/2/27</a:t>
             </a:fld>
             <a:endParaRPr lang="zh-CN" altLang="en-US"/>
           </a:p>
@@ -4973,7 +4973,7 @@
           <a:p>
             <a:fld id="{02E60DA2-A0BC-48C9-AA88-75C78721B420}" type="datetimeFigureOut">
               <a:rPr lang="zh-CN" altLang="en-US" smtClean="0"/>
-              <a:t>2018/2/25</a:t>
+              <a:t>2018/2/27</a:t>
             </a:fld>
             <a:endParaRPr lang="zh-CN" altLang="en-US"/>
           </a:p>
@@ -5138,7 +5138,7 @@
           <a:p>
             <a:fld id="{02E60DA2-A0BC-48C9-AA88-75C78721B420}" type="datetimeFigureOut">
               <a:rPr lang="zh-CN" altLang="en-US" smtClean="0"/>
-              <a:t>2018/2/25</a:t>
+              <a:t>2018/2/27</a:t>
             </a:fld>
             <a:endParaRPr lang="zh-CN" altLang="en-US"/>
           </a:p>
@@ -5275,7 +5275,7 @@
           <a:p>
             <a:fld id="{02E60DA2-A0BC-48C9-AA88-75C78721B420}" type="datetimeFigureOut">
               <a:rPr lang="zh-CN" altLang="en-US" smtClean="0"/>
-              <a:t>2018/2/25</a:t>
+              <a:t>2018/2/27</a:t>
             </a:fld>
             <a:endParaRPr lang="zh-CN" altLang="en-US"/>
           </a:p>
@@ -5610,7 +5610,7 @@
           <a:p>
             <a:fld id="{02E60DA2-A0BC-48C9-AA88-75C78721B420}" type="datetimeFigureOut">
               <a:rPr lang="zh-CN" altLang="en-US" smtClean="0"/>
-              <a:t>2018/2/25</a:t>
+              <a:t>2018/2/27</a:t>
             </a:fld>
             <a:endParaRPr lang="zh-CN" altLang="en-US"/>
           </a:p>
@@ -5922,7 +5922,7 @@
           <a:p>
             <a:fld id="{02E60DA2-A0BC-48C9-AA88-75C78721B420}" type="datetimeFigureOut">
               <a:rPr lang="zh-CN" altLang="en-US" smtClean="0"/>
-              <a:t>2018/2/25</a:t>
+              <a:t>2018/2/27</a:t>
             </a:fld>
             <a:endParaRPr lang="zh-CN" altLang="en-US"/>
           </a:p>
@@ -7863,10 +7863,22 @@
           </a:bodyPr>
           <a:lstStyle/>
           <a:p>
-            <a:pPr marL="0" indent="0">
+            <a:pPr>
               <a:lnSpc>
                 <a:spcPts val="2000"/>
               </a:lnSpc>
+            </a:pPr>
+            <a:r>
+              <a:rPr lang="zh-CN" altLang="en-US" sz="2000" dirty="0"/>
+              <a:t>设置暗色背景</a:t>
+            </a:r>
+            <a:endParaRPr lang="en-US" altLang="zh-CN" sz="2000" dirty="0"/>
+          </a:p>
+          <a:p>
+            <a:pPr marL="457200" lvl="1" indent="0">
+              <a:lnSpc>
+                <a:spcPts val="2000"/>
+              </a:lnSpc>
               <a:buNone/>
             </a:pPr>
             <a:r>
@@ -7875,7 +7887,19 @@
             </a:r>
           </a:p>
           <a:p>
-            <a:pPr marL="0" indent="0">
+            <a:pPr>
+              <a:lnSpc>
+                <a:spcPts val="2000"/>
+              </a:lnSpc>
+            </a:pPr>
+            <a:r>
+              <a:rPr lang="zh-CN" altLang="en-US" sz="2000" dirty="0"/>
+              <a:t>设置颜色主题</a:t>
+            </a:r>
+            <a:endParaRPr lang="en-US" altLang="zh-CN" sz="2000" dirty="0"/>
+          </a:p>
+          <a:p>
+            <a:pPr marL="457200" lvl="1" indent="0">
               <a:lnSpc>
                 <a:spcPts val="2000"/>
               </a:lnSpc>

--- a/materials/slides/ch15-vim-and-linux-c-programming.pptx
+++ b/materials/slides/ch15-vim-and-linux-c-programming.pptx
@@ -275,7 +275,7 @@
           <a:p>
             <a:fld id="{02E60DA2-A0BC-48C9-AA88-75C78721B420}" type="datetimeFigureOut">
               <a:rPr lang="zh-CN" altLang="en-US" smtClean="0"/>
-              <a:t>2018/2/27</a:t>
+              <a:t>2018/3/3</a:t>
             </a:fld>
             <a:endParaRPr lang="zh-CN" altLang="en-US"/>
           </a:p>
@@ -497,7 +497,7 @@
           <a:p>
             <a:fld id="{02E60DA2-A0BC-48C9-AA88-75C78721B420}" type="datetimeFigureOut">
               <a:rPr lang="zh-CN" altLang="en-US" smtClean="0"/>
-              <a:t>2018/2/27</a:t>
+              <a:t>2018/3/3</a:t>
             </a:fld>
             <a:endParaRPr lang="zh-CN" altLang="en-US"/>
           </a:p>
@@ -729,7 +729,7 @@
           <a:p>
             <a:fld id="{02E60DA2-A0BC-48C9-AA88-75C78721B420}" type="datetimeFigureOut">
               <a:rPr lang="zh-CN" altLang="en-US" smtClean="0"/>
-              <a:t>2018/2/27</a:t>
+              <a:t>2018/3/3</a:t>
             </a:fld>
             <a:endParaRPr lang="zh-CN" altLang="en-US"/>
           </a:p>
@@ -979,7 +979,7 @@
           <a:p>
             <a:fld id="{02E60DA2-A0BC-48C9-AA88-75C78721B420}" type="datetimeFigureOut">
               <a:rPr lang="zh-CN" altLang="en-US" smtClean="0"/>
-              <a:t>2018/2/27</a:t>
+              <a:t>2018/3/3</a:t>
             </a:fld>
             <a:endParaRPr lang="zh-CN" altLang="en-US"/>
           </a:p>
@@ -1217,7 +1217,7 @@
           <a:p>
             <a:fld id="{02E60DA2-A0BC-48C9-AA88-75C78721B420}" type="datetimeFigureOut">
               <a:rPr lang="zh-CN" altLang="en-US" smtClean="0"/>
-              <a:t>2018/2/27</a:t>
+              <a:t>2018/3/3</a:t>
             </a:fld>
             <a:endParaRPr lang="zh-CN" altLang="en-US"/>
           </a:p>
@@ -1522,7 +1522,7 @@
           <a:p>
             <a:fld id="{02E60DA2-A0BC-48C9-AA88-75C78721B420}" type="datetimeFigureOut">
               <a:rPr lang="zh-CN" altLang="en-US" smtClean="0"/>
-              <a:t>2018/2/27</a:t>
+              <a:t>2018/3/3</a:t>
             </a:fld>
             <a:endParaRPr lang="zh-CN" altLang="en-US"/>
           </a:p>
@@ -1825,7 +1825,7 @@
           <a:p>
             <a:fld id="{02E60DA2-A0BC-48C9-AA88-75C78721B420}" type="datetimeFigureOut">
               <a:rPr lang="zh-CN" altLang="en-US" smtClean="0"/>
-              <a:t>2018/2/27</a:t>
+              <a:t>2018/3/3</a:t>
             </a:fld>
             <a:endParaRPr lang="zh-CN" altLang="en-US"/>
           </a:p>
@@ -2276,7 +2276,7 @@
           <a:p>
             <a:fld id="{02E60DA2-A0BC-48C9-AA88-75C78721B420}" type="datetimeFigureOut">
               <a:rPr lang="zh-CN" altLang="en-US" smtClean="0"/>
-              <a:t>2018/2/27</a:t>
+              <a:t>2018/3/3</a:t>
             </a:fld>
             <a:endParaRPr lang="zh-CN" altLang="en-US"/>
           </a:p>
@@ -2449,7 +2449,7 @@
           <a:p>
             <a:fld id="{02E60DA2-A0BC-48C9-AA88-75C78721B420}" type="datetimeFigureOut">
               <a:rPr lang="zh-CN" altLang="en-US" smtClean="0"/>
-              <a:t>2018/2/27</a:t>
+              <a:t>2018/3/3</a:t>
             </a:fld>
             <a:endParaRPr lang="zh-CN" altLang="en-US"/>
           </a:p>
@@ -2586,7 +2586,7 @@
           <a:p>
             <a:fld id="{02E60DA2-A0BC-48C9-AA88-75C78721B420}" type="datetimeFigureOut">
               <a:rPr lang="zh-CN" altLang="en-US" smtClean="0"/>
-              <a:t>2018/2/27</a:t>
+              <a:t>2018/3/3</a:t>
             </a:fld>
             <a:endParaRPr lang="zh-CN" altLang="en-US"/>
           </a:p>
@@ -2930,7 +2930,7 @@
           <a:p>
             <a:fld id="{02E60DA2-A0BC-48C9-AA88-75C78721B420}" type="datetimeFigureOut">
               <a:rPr lang="zh-CN" altLang="en-US" smtClean="0"/>
-              <a:t>2018/2/27</a:t>
+              <a:t>2018/3/3</a:t>
             </a:fld>
             <a:endParaRPr lang="zh-CN" altLang="en-US"/>
           </a:p>
@@ -3152,7 +3152,7 @@
           <a:p>
             <a:fld id="{02E60DA2-A0BC-48C9-AA88-75C78721B420}" type="datetimeFigureOut">
               <a:rPr lang="zh-CN" altLang="en-US" smtClean="0"/>
-              <a:t>2018/2/27</a:t>
+              <a:t>2018/3/3</a:t>
             </a:fld>
             <a:endParaRPr lang="zh-CN" altLang="en-US"/>
           </a:p>
@@ -3473,7 +3473,7 @@
           <a:p>
             <a:fld id="{02E60DA2-A0BC-48C9-AA88-75C78721B420}" type="datetimeFigureOut">
               <a:rPr lang="zh-CN" altLang="en-US" smtClean="0"/>
-              <a:t>2018/2/27</a:t>
+              <a:t>2018/3/3</a:t>
             </a:fld>
             <a:endParaRPr lang="zh-CN" altLang="en-US"/>
           </a:p>
@@ -3711,7 +3711,7 @@
           <a:p>
             <a:fld id="{02E60DA2-A0BC-48C9-AA88-75C78721B420}" type="datetimeFigureOut">
               <a:rPr lang="zh-CN" altLang="en-US" smtClean="0"/>
-              <a:t>2018/2/27</a:t>
+              <a:t>2018/3/3</a:t>
             </a:fld>
             <a:endParaRPr lang="zh-CN" altLang="en-US"/>
           </a:p>
@@ -3949,7 +3949,7 @@
           <a:p>
             <a:fld id="{02E60DA2-A0BC-48C9-AA88-75C78721B420}" type="datetimeFigureOut">
               <a:rPr lang="zh-CN" altLang="en-US" smtClean="0"/>
-              <a:t>2018/2/27</a:t>
+              <a:t>2018/3/3</a:t>
             </a:fld>
             <a:endParaRPr lang="zh-CN" altLang="en-US"/>
           </a:p>
@@ -4248,7 +4248,7 @@
           <a:p>
             <a:fld id="{02E60DA2-A0BC-48C9-AA88-75C78721B420}" type="datetimeFigureOut">
               <a:rPr lang="zh-CN" altLang="en-US" smtClean="0"/>
-              <a:t>2018/2/27</a:t>
+              <a:t>2018/3/3</a:t>
             </a:fld>
             <a:endParaRPr lang="zh-CN" altLang="en-US"/>
           </a:p>
@@ -4537,7 +4537,7 @@
           <a:p>
             <a:fld id="{02E60DA2-A0BC-48C9-AA88-75C78721B420}" type="datetimeFigureOut">
               <a:rPr lang="zh-CN" altLang="en-US" smtClean="0"/>
-              <a:t>2018/2/27</a:t>
+              <a:t>2018/3/3</a:t>
             </a:fld>
             <a:endParaRPr lang="zh-CN" altLang="en-US"/>
           </a:p>
@@ -4973,7 +4973,7 @@
           <a:p>
             <a:fld id="{02E60DA2-A0BC-48C9-AA88-75C78721B420}" type="datetimeFigureOut">
               <a:rPr lang="zh-CN" altLang="en-US" smtClean="0"/>
-              <a:t>2018/2/27</a:t>
+              <a:t>2018/3/3</a:t>
             </a:fld>
             <a:endParaRPr lang="zh-CN" altLang="en-US"/>
           </a:p>
@@ -5138,7 +5138,7 @@
           <a:p>
             <a:fld id="{02E60DA2-A0BC-48C9-AA88-75C78721B420}" type="datetimeFigureOut">
               <a:rPr lang="zh-CN" altLang="en-US" smtClean="0"/>
-              <a:t>2018/2/27</a:t>
+              <a:t>2018/3/3</a:t>
             </a:fld>
             <a:endParaRPr lang="zh-CN" altLang="en-US"/>
           </a:p>
@@ -5275,7 +5275,7 @@
           <a:p>
             <a:fld id="{02E60DA2-A0BC-48C9-AA88-75C78721B420}" type="datetimeFigureOut">
               <a:rPr lang="zh-CN" altLang="en-US" smtClean="0"/>
-              <a:t>2018/2/27</a:t>
+              <a:t>2018/3/3</a:t>
             </a:fld>
             <a:endParaRPr lang="zh-CN" altLang="en-US"/>
           </a:p>
@@ -5610,7 +5610,7 @@
           <a:p>
             <a:fld id="{02E60DA2-A0BC-48C9-AA88-75C78721B420}" type="datetimeFigureOut">
               <a:rPr lang="zh-CN" altLang="en-US" smtClean="0"/>
-              <a:t>2018/2/27</a:t>
+              <a:t>2018/3/3</a:t>
             </a:fld>
             <a:endParaRPr lang="zh-CN" altLang="en-US"/>
           </a:p>
@@ -5922,7 +5922,7 @@
           <a:p>
             <a:fld id="{02E60DA2-A0BC-48C9-AA88-75C78721B420}" type="datetimeFigureOut">
               <a:rPr lang="zh-CN" altLang="en-US" smtClean="0"/>
-              <a:t>2018/2/27</a:t>
+              <a:t>2018/3/3</a:t>
             </a:fld>
             <a:endParaRPr lang="zh-CN" altLang="en-US"/>
           </a:p>
@@ -7071,8 +7071,9 @@
             <a:r>
               <a:rPr lang="zh-CN" altLang="en-US" sz="3600" dirty="0">
                 <a:solidFill>
-                  <a:schemeClr val="tx2">
-                    <a:lumMod val="50000"/>
+                  <a:schemeClr val="tx1">
+                    <a:lumMod val="95000"/>
+                    <a:lumOff val="5000"/>
                   </a:schemeClr>
                 </a:solidFill>
               </a:rPr>
@@ -7081,7 +7082,10 @@
             <a:r>
               <a:rPr lang="en-US" altLang="zh-CN" sz="3600" dirty="0">
                 <a:solidFill>
-                  <a:srgbClr val="C00000"/>
+                  <a:schemeClr val="tx1">
+                    <a:lumMod val="95000"/>
+                    <a:lumOff val="5000"/>
+                  </a:schemeClr>
                 </a:solidFill>
               </a:rPr>
               <a:t>Vim</a:t>
@@ -7089,7 +7093,10 @@
             <a:r>
               <a:rPr lang="zh-CN" altLang="en-US" sz="3600" dirty="0">
                 <a:solidFill>
-                  <a:srgbClr val="C00000"/>
+                  <a:schemeClr val="tx1">
+                    <a:lumMod val="95000"/>
+                    <a:lumOff val="5000"/>
+                  </a:schemeClr>
                 </a:solidFill>
               </a:rPr>
               <a:t>和</a:t>
@@ -7097,7 +7104,10 @@
             <a:r>
               <a:rPr lang="en-US" altLang="zh-CN" sz="3600" dirty="0">
                 <a:solidFill>
-                  <a:srgbClr val="C00000"/>
+                  <a:schemeClr val="tx1">
+                    <a:lumMod val="95000"/>
+                    <a:lumOff val="5000"/>
+                  </a:schemeClr>
                 </a:solidFill>
               </a:rPr>
               <a:t>Linux C</a:t>
@@ -7105,7 +7115,10 @@
             <a:r>
               <a:rPr lang="zh-CN" altLang="en-US" sz="3600" dirty="0">
                 <a:solidFill>
-                  <a:srgbClr val="C00000"/>
+                  <a:schemeClr val="tx1">
+                    <a:lumMod val="95000"/>
+                    <a:lumOff val="5000"/>
+                  </a:schemeClr>
                 </a:solidFill>
               </a:rPr>
               <a:t>编程环境</a:t>
@@ -8044,6 +8057,9 @@
             <a:endParaRPr lang="en-US" altLang="zh-CN" sz="2400" dirty="0"/>
           </a:p>
           <a:p>
+            <a:endParaRPr lang="en-US" altLang="zh-CN" sz="2400" dirty="0"/>
+          </a:p>
+          <a:p>
             <a:r>
               <a:rPr lang="en-US" altLang="zh-CN" sz="2400" dirty="0" err="1"/>
               <a:t>gcc</a:t>
@@ -8054,7 +8070,7 @@
             </a:r>
             <a:r>
               <a:rPr lang="en-US" altLang="zh-CN" sz="2400" dirty="0"/>
-              <a:t>C, C++, Objective-C, Fortran, Ada, and Go</a:t>
+              <a:t>C, C++, Objective-C, Fortran, Ada, Go</a:t>
             </a:r>
             <a:r>
               <a:rPr lang="zh-CN" altLang="en-US" sz="2400" dirty="0"/>
@@ -8063,9 +8079,16 @@
             <a:endParaRPr lang="en-US" altLang="zh-CN" sz="2400" dirty="0"/>
           </a:p>
           <a:p>
+            <a:endParaRPr lang="en-US" altLang="zh-CN" sz="2400" dirty="0"/>
+          </a:p>
+          <a:p>
+            <a:r>
+              <a:rPr lang="en-US" altLang="zh-CN" sz="2400" dirty="0" err="1"/>
+              <a:t>gcc</a:t>
+            </a:r>
             <a:r>
               <a:rPr lang="zh-CN" altLang="en-US" sz="2400" dirty="0"/>
-              <a:t>从名称可以看出是</a:t>
+              <a:t>是</a:t>
             </a:r>
             <a:r>
               <a:rPr lang="en-US" altLang="zh-CN" sz="2400" dirty="0"/>
@@ -8086,6 +8109,9 @@
             <a:endParaRPr lang="en-US" altLang="zh-CN" sz="2400" dirty="0"/>
           </a:p>
           <a:p>
+            <a:endParaRPr lang="en-US" altLang="zh-CN" sz="2400" dirty="0"/>
+          </a:p>
+          <a:p>
             <a:r>
               <a:rPr lang="en-US" altLang="zh-CN" sz="2400" dirty="0"/>
               <a:t>Ubuntu/Debian</a:t>
@@ -8118,6 +8144,9 @@
               <a:rPr lang="zh-CN" altLang="en-US" sz="2400" dirty="0"/>
               <a:t>。</a:t>
             </a:r>
+            <a:endParaRPr lang="en-US" altLang="zh-CN" sz="2400" dirty="0"/>
+          </a:p>
+          <a:p>
             <a:endParaRPr lang="en-US" altLang="zh-CN" sz="2400" dirty="0"/>
           </a:p>
           <a:p>
